--- a/product/扫码挪车/挪车产品设计-2C-冠德版本.pptx
+++ b/product/扫码挪车/挪车产品设计-2C-冠德版本.pptx
@@ -6,9 +6,9 @@
   </p:sldMasterIdLst>
   <p:sldIdLst>
     <p:sldId id="273" r:id="rId2"/>
-    <p:sldId id="277" r:id="rId3"/>
-    <p:sldId id="276" r:id="rId4"/>
-    <p:sldId id="278" r:id="rId5"/>
+    <p:sldId id="276" r:id="rId3"/>
+    <p:sldId id="278" r:id="rId4"/>
+    <p:sldId id="277" r:id="rId5"/>
     <p:sldId id="279" r:id="rId6"/>
     <p:sldId id="280" r:id="rId7"/>
     <p:sldId id="281" r:id="rId8"/>
@@ -1992,6 +1992,2136 @@
 </file>
 
 <file path=ppt/slides/slide2.xml><?xml version="1.0" encoding="utf-8"?>
+<p:sld xmlns:a="http://schemas.openxmlformats.org/drawingml/2006/main" xmlns:r="http://schemas.openxmlformats.org/officeDocument/2006/relationships" xmlns:p="http://schemas.openxmlformats.org/presentationml/2006/main">
+  <p:cSld>
+    <p:spTree>
+      <p:nvGrpSpPr>
+        <p:cNvPr id="1" name=""/>
+        <p:cNvGrpSpPr/>
+        <p:nvPr/>
+      </p:nvGrpSpPr>
+      <p:grpSpPr>
+        <a:xfrm>
+          <a:off x="0" y="0"/>
+          <a:ext cx="0" cy="0"/>
+          <a:chOff x="0" y="0"/>
+          <a:chExt cx="0" cy="0"/>
+        </a:xfrm>
+      </p:grpSpPr>
+      <p:sp>
+        <p:nvSpPr>
+          <p:cNvPr id="2" name="内容占位符 1">
+            <a:extLst>
+              <a:ext uri="{FF2B5EF4-FFF2-40B4-BE49-F238E27FC236}">
+                <a16:creationId xmlns:a16="http://schemas.microsoft.com/office/drawing/2014/main" id="{F8600D65-D602-42C4-9F8F-BDBEE060A471}"/>
+              </a:ext>
+            </a:extLst>
+          </p:cNvPr>
+          <p:cNvSpPr>
+            <a:spLocks noGrp="1"/>
+          </p:cNvSpPr>
+          <p:nvPr>
+            <p:ph sz="quarter" idx="10"/>
+          </p:nvPr>
+        </p:nvSpPr>
+        <p:spPr/>
+        <p:txBody>
+          <a:bodyPr/>
+          <a:lstStyle/>
+          <a:p>
+            <a:r>
+              <a:rPr lang="zh-CN" altLang="en-US" sz="1100" dirty="0"/>
+              <a:t>油站领取，免费</a:t>
+            </a:r>
+            <a:endParaRPr lang="en-US" altLang="zh-CN" sz="1100" dirty="0"/>
+          </a:p>
+          <a:p>
+            <a:r>
+              <a:rPr lang="zh-CN" altLang="en-US" sz="1100" dirty="0"/>
+              <a:t>自寄地址，收费</a:t>
+            </a:r>
+            <a:endParaRPr lang="en-US" altLang="zh-CN" sz="1100" dirty="0"/>
+          </a:p>
+          <a:p>
+            <a:endParaRPr lang="en-US" altLang="zh-CN" sz="1100" dirty="0"/>
+          </a:p>
+          <a:p>
+            <a:endParaRPr lang="en-US" altLang="zh-CN" sz="1100" dirty="0"/>
+          </a:p>
+          <a:p>
+            <a:endParaRPr lang="en-US" altLang="zh-CN" sz="1100" dirty="0"/>
+          </a:p>
+          <a:p>
+            <a:endParaRPr lang="en-US" altLang="zh-CN" sz="1100" dirty="0"/>
+          </a:p>
+          <a:p>
+            <a:endParaRPr lang="en-US" altLang="zh-CN" sz="1100" dirty="0"/>
+          </a:p>
+          <a:p>
+            <a:endParaRPr lang="en-US" altLang="zh-CN" sz="1100" dirty="0"/>
+          </a:p>
+          <a:p>
+            <a:endParaRPr lang="en-US" altLang="zh-CN" sz="1100" dirty="0"/>
+          </a:p>
+          <a:p>
+            <a:r>
+              <a:rPr lang="zh-CN" altLang="en-US" sz="1100" dirty="0"/>
+              <a:t>油站列表：</a:t>
+            </a:r>
+            <a:endParaRPr lang="en-US" altLang="zh-CN" sz="1100" dirty="0"/>
+          </a:p>
+          <a:p>
+            <a:r>
+              <a:rPr lang="en-US" altLang="zh-CN" sz="1100" dirty="0"/>
+              <a:t>1</a:t>
+            </a:r>
+            <a:r>
+              <a:rPr lang="zh-CN" altLang="en-US" sz="1100" dirty="0"/>
+              <a:t>、根据用户地理位置，将同城的油站，按地理位置近到远排序，仅展示同城</a:t>
+            </a:r>
+            <a:endParaRPr lang="en-US" altLang="zh-CN" sz="1100" dirty="0"/>
+          </a:p>
+          <a:p>
+            <a:r>
+              <a:rPr lang="en-US" altLang="zh-CN" sz="1100" dirty="0"/>
+              <a:t>2</a:t>
+            </a:r>
+            <a:r>
+              <a:rPr lang="zh-CN" altLang="en-US" sz="1100" dirty="0"/>
+              <a:t>、查看所有油站，展示完整的油站列表</a:t>
+            </a:r>
+            <a:endParaRPr lang="en-US" altLang="zh-CN" sz="1100" dirty="0"/>
+          </a:p>
+          <a:p>
+            <a:r>
+              <a:rPr lang="en-US" altLang="zh-CN" sz="1100" dirty="0"/>
+              <a:t>3</a:t>
+            </a:r>
+            <a:r>
+              <a:rPr lang="zh-CN" altLang="en-US" sz="1100" dirty="0"/>
+              <a:t>、可在地图上查看油站</a:t>
+            </a:r>
+            <a:endParaRPr lang="en-US" altLang="zh-CN" sz="1100" dirty="0"/>
+          </a:p>
+          <a:p>
+            <a:endParaRPr lang="en-US" altLang="zh-CN" sz="1100" dirty="0"/>
+          </a:p>
+        </p:txBody>
+      </p:sp>
+      <p:sp>
+        <p:nvSpPr>
+          <p:cNvPr id="3" name="标题 2">
+            <a:extLst>
+              <a:ext uri="{FF2B5EF4-FFF2-40B4-BE49-F238E27FC236}">
+                <a16:creationId xmlns:a16="http://schemas.microsoft.com/office/drawing/2014/main" id="{0FEE4CCC-9C27-486F-9402-B57E3D606EB5}"/>
+              </a:ext>
+            </a:extLst>
+          </p:cNvPr>
+          <p:cNvSpPr>
+            <a:spLocks noGrp="1"/>
+          </p:cNvSpPr>
+          <p:nvPr>
+            <p:ph type="title"/>
+          </p:nvPr>
+        </p:nvSpPr>
+        <p:spPr/>
+        <p:txBody>
+          <a:bodyPr/>
+          <a:lstStyle/>
+          <a:p>
+            <a:r>
+              <a:rPr lang="en-US" altLang="zh-CN" dirty="0"/>
+              <a:t>&lt; </a:t>
+            </a:r>
+            <a:r>
+              <a:rPr lang="zh-CN" altLang="en-US" dirty="0"/>
+              <a:t>领取挪车码</a:t>
+            </a:r>
+          </a:p>
+        </p:txBody>
+      </p:sp>
+      <p:sp>
+        <p:nvSpPr>
+          <p:cNvPr id="20" name="矩形 19">
+            <a:extLst>
+              <a:ext uri="{FF2B5EF4-FFF2-40B4-BE49-F238E27FC236}">
+                <a16:creationId xmlns:a16="http://schemas.microsoft.com/office/drawing/2014/main" id="{1ADFA4E0-F46D-4A27-B55E-9B2FA8922DE4}"/>
+              </a:ext>
+            </a:extLst>
+          </p:cNvPr>
+          <p:cNvSpPr/>
+          <p:nvPr/>
+        </p:nvSpPr>
+        <p:spPr>
+          <a:xfrm>
+            <a:off x="920850" y="742122"/>
+            <a:ext cx="3147567" cy="1106551"/>
+          </a:xfrm>
+          <a:prstGeom prst="rect">
+            <a:avLst/>
+          </a:prstGeom>
+          <a:solidFill>
+            <a:schemeClr val="bg1">
+              <a:lumMod val="50000"/>
+            </a:schemeClr>
+          </a:solidFill>
+          <a:ln>
+            <a:noFill/>
+          </a:ln>
+        </p:spPr>
+        <p:style>
+          <a:lnRef idx="2">
+            <a:schemeClr val="accent1">
+              <a:shade val="50000"/>
+            </a:schemeClr>
+          </a:lnRef>
+          <a:fillRef idx="1">
+            <a:schemeClr val="accent1"/>
+          </a:fillRef>
+          <a:effectRef idx="0">
+            <a:schemeClr val="accent1"/>
+          </a:effectRef>
+          <a:fontRef idx="minor">
+            <a:schemeClr val="lt1"/>
+          </a:fontRef>
+        </p:style>
+        <p:txBody>
+          <a:bodyPr rtlCol="0" anchor="ctr"/>
+          <a:lstStyle/>
+          <a:p>
+            <a:pPr algn="ctr"/>
+            <a:r>
+              <a:rPr lang="zh-CN" altLang="en-US" dirty="0">
+                <a:latin typeface="微软雅黑" panose="020B0503020204020204" pitchFamily="34" charset="-122"/>
+                <a:ea typeface="微软雅黑" panose="020B0503020204020204" pitchFamily="34" charset="-122"/>
+              </a:rPr>
+              <a:t>图片展示实物卡</a:t>
+            </a:r>
+          </a:p>
+        </p:txBody>
+      </p:sp>
+      <p:sp>
+        <p:nvSpPr>
+          <p:cNvPr id="38" name="文本框 37">
+            <a:extLst>
+              <a:ext uri="{FF2B5EF4-FFF2-40B4-BE49-F238E27FC236}">
+                <a16:creationId xmlns:a16="http://schemas.microsoft.com/office/drawing/2014/main" id="{57B436BD-161D-408B-98C5-E7C104FCE28B}"/>
+              </a:ext>
+            </a:extLst>
+          </p:cNvPr>
+          <p:cNvSpPr txBox="1"/>
+          <p:nvPr/>
+        </p:nvSpPr>
+        <p:spPr>
+          <a:xfrm>
+            <a:off x="868421" y="1827093"/>
+            <a:ext cx="2967729" cy="461665"/>
+          </a:xfrm>
+          <a:prstGeom prst="rect">
+            <a:avLst/>
+          </a:prstGeom>
+          <a:noFill/>
+        </p:spPr>
+        <p:txBody>
+          <a:bodyPr wrap="square" rtlCol="0">
+            <a:spAutoFit/>
+          </a:bodyPr>
+          <a:lstStyle/>
+          <a:p>
+            <a:r>
+              <a:rPr lang="zh-CN" altLang="en-US" sz="800" dirty="0">
+                <a:solidFill>
+                  <a:schemeClr val="bg1">
+                    <a:lumMod val="75000"/>
+                  </a:schemeClr>
+                </a:solidFill>
+                <a:latin typeface="微软雅黑" panose="020B0503020204020204" pitchFamily="34" charset="-122"/>
+                <a:ea typeface="微软雅黑" panose="020B0503020204020204" pitchFamily="34" charset="-122"/>
+              </a:rPr>
+              <a:t>物料包含：</a:t>
+            </a:r>
+            <a:endParaRPr lang="en-US" altLang="zh-CN" sz="800" dirty="0">
+              <a:solidFill>
+                <a:schemeClr val="bg1">
+                  <a:lumMod val="75000"/>
+                </a:schemeClr>
+              </a:solidFill>
+              <a:latin typeface="微软雅黑" panose="020B0503020204020204" pitchFamily="34" charset="-122"/>
+              <a:ea typeface="微软雅黑" panose="020B0503020204020204" pitchFamily="34" charset="-122"/>
+            </a:endParaRPr>
+          </a:p>
+          <a:p>
+            <a:r>
+              <a:rPr lang="en-US" altLang="zh-CN" sz="800" dirty="0">
+                <a:solidFill>
+                  <a:schemeClr val="bg1">
+                    <a:lumMod val="75000"/>
+                  </a:schemeClr>
+                </a:solidFill>
+                <a:latin typeface="微软雅黑" panose="020B0503020204020204" pitchFamily="34" charset="-122"/>
+                <a:ea typeface="微软雅黑" panose="020B0503020204020204" pitchFamily="34" charset="-122"/>
+              </a:rPr>
+              <a:t>PVC</a:t>
+            </a:r>
+            <a:r>
+              <a:rPr lang="zh-CN" altLang="en-US" sz="800" dirty="0">
+                <a:solidFill>
+                  <a:schemeClr val="bg1">
+                    <a:lumMod val="75000"/>
+                  </a:schemeClr>
+                </a:solidFill>
+                <a:latin typeface="微软雅黑" panose="020B0503020204020204" pitchFamily="34" charset="-122"/>
+                <a:ea typeface="微软雅黑" panose="020B0503020204020204" pitchFamily="34" charset="-122"/>
+              </a:rPr>
+              <a:t>卡一张（</a:t>
+            </a:r>
+            <a:r>
+              <a:rPr lang="en-US" altLang="zh-CN" sz="800" dirty="0">
+                <a:solidFill>
+                  <a:schemeClr val="bg1">
+                    <a:lumMod val="75000"/>
+                  </a:schemeClr>
+                </a:solidFill>
+                <a:latin typeface="微软雅黑" panose="020B0503020204020204" pitchFamily="34" charset="-122"/>
+                <a:ea typeface="微软雅黑" panose="020B0503020204020204" pitchFamily="34" charset="-122"/>
+              </a:rPr>
+              <a:t>300mm x 120mm</a:t>
+            </a:r>
+            <a:r>
+              <a:rPr lang="zh-CN" altLang="en-US" sz="800" dirty="0">
+                <a:solidFill>
+                  <a:schemeClr val="bg1">
+                    <a:lumMod val="75000"/>
+                  </a:schemeClr>
+                </a:solidFill>
+                <a:latin typeface="微软雅黑" panose="020B0503020204020204" pitchFamily="34" charset="-122"/>
+                <a:ea typeface="微软雅黑" panose="020B0503020204020204" pitchFamily="34" charset="-122"/>
+              </a:rPr>
+              <a:t>）</a:t>
+            </a:r>
+            <a:endParaRPr lang="en-US" altLang="zh-CN" sz="800" dirty="0">
+              <a:solidFill>
+                <a:schemeClr val="bg1">
+                  <a:lumMod val="75000"/>
+                </a:schemeClr>
+              </a:solidFill>
+              <a:latin typeface="微软雅黑" panose="020B0503020204020204" pitchFamily="34" charset="-122"/>
+              <a:ea typeface="微软雅黑" panose="020B0503020204020204" pitchFamily="34" charset="-122"/>
+            </a:endParaRPr>
+          </a:p>
+          <a:p>
+            <a:r>
+              <a:rPr lang="zh-CN" altLang="en-US" sz="800" dirty="0">
+                <a:solidFill>
+                  <a:schemeClr val="bg1">
+                    <a:lumMod val="75000"/>
+                  </a:schemeClr>
+                </a:solidFill>
+                <a:latin typeface="微软雅黑" panose="020B0503020204020204" pitchFamily="34" charset="-122"/>
+                <a:ea typeface="微软雅黑" panose="020B0503020204020204" pitchFamily="34" charset="-122"/>
+              </a:rPr>
+              <a:t>静电贴一张（</a:t>
+            </a:r>
+            <a:r>
+              <a:rPr lang="en-US" altLang="zh-CN" sz="800" dirty="0">
+                <a:solidFill>
+                  <a:schemeClr val="bg1">
+                    <a:lumMod val="75000"/>
+                  </a:schemeClr>
+                </a:solidFill>
+                <a:latin typeface="微软雅黑" panose="020B0503020204020204" pitchFamily="34" charset="-122"/>
+                <a:ea typeface="微软雅黑" panose="020B0503020204020204" pitchFamily="34" charset="-122"/>
+              </a:rPr>
+              <a:t>150mm x 150mm</a:t>
+            </a:r>
+            <a:r>
+              <a:rPr lang="zh-CN" altLang="en-US" sz="800" dirty="0">
+                <a:solidFill>
+                  <a:schemeClr val="bg1">
+                    <a:lumMod val="75000"/>
+                  </a:schemeClr>
+                </a:solidFill>
+                <a:latin typeface="微软雅黑" panose="020B0503020204020204" pitchFamily="34" charset="-122"/>
+                <a:ea typeface="微软雅黑" panose="020B0503020204020204" pitchFamily="34" charset="-122"/>
+              </a:rPr>
+              <a:t>）</a:t>
+            </a:r>
+          </a:p>
+        </p:txBody>
+      </p:sp>
+      <p:sp>
+        <p:nvSpPr>
+          <p:cNvPr id="21" name="矩形 20">
+            <a:extLst>
+              <a:ext uri="{FF2B5EF4-FFF2-40B4-BE49-F238E27FC236}">
+                <a16:creationId xmlns:a16="http://schemas.microsoft.com/office/drawing/2014/main" id="{582A5127-6D03-4AB5-851C-8E60A674A80F}"/>
+              </a:ext>
+            </a:extLst>
+          </p:cNvPr>
+          <p:cNvSpPr/>
+          <p:nvPr/>
+        </p:nvSpPr>
+        <p:spPr>
+          <a:xfrm>
+            <a:off x="942906" y="6016487"/>
+            <a:ext cx="3194125" cy="382537"/>
+          </a:xfrm>
+          <a:prstGeom prst="rect">
+            <a:avLst/>
+          </a:prstGeom>
+          <a:solidFill>
+            <a:schemeClr val="bg1"/>
+          </a:solidFill>
+          <a:ln>
+            <a:noFill/>
+          </a:ln>
+        </p:spPr>
+        <p:style>
+          <a:lnRef idx="2">
+            <a:schemeClr val="accent1">
+              <a:shade val="50000"/>
+            </a:schemeClr>
+          </a:lnRef>
+          <a:fillRef idx="1">
+            <a:schemeClr val="accent1"/>
+          </a:fillRef>
+          <a:effectRef idx="0">
+            <a:schemeClr val="accent1"/>
+          </a:effectRef>
+          <a:fontRef idx="minor">
+            <a:schemeClr val="lt1"/>
+          </a:fontRef>
+        </p:style>
+        <p:txBody>
+          <a:bodyPr rtlCol="0" anchor="ctr"/>
+          <a:lstStyle/>
+          <a:p>
+            <a:pPr algn="ctr"/>
+            <a:endParaRPr lang="zh-CN" altLang="en-US"/>
+          </a:p>
+        </p:txBody>
+      </p:sp>
+      <p:sp>
+        <p:nvSpPr>
+          <p:cNvPr id="22" name="文本框 21">
+            <a:extLst>
+              <a:ext uri="{FF2B5EF4-FFF2-40B4-BE49-F238E27FC236}">
+                <a16:creationId xmlns:a16="http://schemas.microsoft.com/office/drawing/2014/main" id="{EAD7BC33-36EA-437A-A117-AEF5E609195B}"/>
+              </a:ext>
+            </a:extLst>
+          </p:cNvPr>
+          <p:cNvSpPr txBox="1"/>
+          <p:nvPr/>
+        </p:nvSpPr>
+        <p:spPr>
+          <a:xfrm>
+            <a:off x="1048006" y="6102626"/>
+            <a:ext cx="1591704" cy="215444"/>
+          </a:xfrm>
+          <a:prstGeom prst="rect">
+            <a:avLst/>
+          </a:prstGeom>
+          <a:noFill/>
+        </p:spPr>
+        <p:txBody>
+          <a:bodyPr wrap="square" rtlCol="0">
+            <a:spAutoFit/>
+          </a:bodyPr>
+          <a:lstStyle/>
+          <a:p>
+            <a:r>
+              <a:rPr lang="zh-CN" altLang="en-US" sz="800" dirty="0">
+                <a:solidFill>
+                  <a:schemeClr val="bg1">
+                    <a:lumMod val="65000"/>
+                  </a:schemeClr>
+                </a:solidFill>
+                <a:latin typeface="微软雅黑" panose="020B0503020204020204" pitchFamily="34" charset="-122"/>
+                <a:ea typeface="微软雅黑" panose="020B0503020204020204" pitchFamily="34" charset="-122"/>
+              </a:rPr>
+              <a:t>请确认离您最近的油站</a:t>
+            </a:r>
+          </a:p>
+        </p:txBody>
+      </p:sp>
+      <p:sp>
+        <p:nvSpPr>
+          <p:cNvPr id="60" name="矩形: 圆角 59">
+            <a:hlinkClick r:id="" action="ppaction://noaction"/>
+            <a:extLst>
+              <a:ext uri="{FF2B5EF4-FFF2-40B4-BE49-F238E27FC236}">
+                <a16:creationId xmlns:a16="http://schemas.microsoft.com/office/drawing/2014/main" id="{A33AF8AB-C296-4F71-9CE8-9B01D521A368}"/>
+              </a:ext>
+            </a:extLst>
+          </p:cNvPr>
+          <p:cNvSpPr/>
+          <p:nvPr/>
+        </p:nvSpPr>
+        <p:spPr>
+          <a:xfrm>
+            <a:off x="3116439" y="6021038"/>
+            <a:ext cx="1020592" cy="367886"/>
+          </a:xfrm>
+          <a:prstGeom prst="roundRect">
+            <a:avLst>
+              <a:gd name="adj" fmla="val 6455"/>
+            </a:avLst>
+          </a:prstGeom>
+          <a:solidFill>
+            <a:srgbClr val="09BB07"/>
+          </a:solidFill>
+          <a:ln>
+            <a:noFill/>
+          </a:ln>
+        </p:spPr>
+        <p:style>
+          <a:lnRef idx="2">
+            <a:schemeClr val="accent1">
+              <a:shade val="50000"/>
+            </a:schemeClr>
+          </a:lnRef>
+          <a:fillRef idx="1">
+            <a:schemeClr val="accent1"/>
+          </a:fillRef>
+          <a:effectRef idx="0">
+            <a:schemeClr val="accent1"/>
+          </a:effectRef>
+          <a:fontRef idx="minor">
+            <a:schemeClr val="lt1"/>
+          </a:fontRef>
+        </p:style>
+        <p:txBody>
+          <a:bodyPr rtlCol="0" anchor="ctr"/>
+          <a:lstStyle/>
+          <a:p>
+            <a:pPr algn="ctr"/>
+            <a:r>
+              <a:rPr lang="zh-CN" altLang="en-US" sz="1050" dirty="0">
+                <a:latin typeface="微软雅黑" panose="020B0503020204020204" pitchFamily="34" charset="-122"/>
+                <a:ea typeface="微软雅黑" panose="020B0503020204020204" pitchFamily="34" charset="-122"/>
+              </a:rPr>
+              <a:t>确认</a:t>
+            </a:r>
+          </a:p>
+        </p:txBody>
+      </p:sp>
+      <p:grpSp>
+        <p:nvGrpSpPr>
+          <p:cNvPr id="4" name="组合 3">
+            <a:extLst>
+              <a:ext uri="{FF2B5EF4-FFF2-40B4-BE49-F238E27FC236}">
+                <a16:creationId xmlns:a16="http://schemas.microsoft.com/office/drawing/2014/main" id="{5641295D-6D0A-4E9B-8E32-F5E4656309F7}"/>
+              </a:ext>
+            </a:extLst>
+          </p:cNvPr>
+          <p:cNvGrpSpPr/>
+          <p:nvPr/>
+        </p:nvGrpSpPr>
+        <p:grpSpPr>
+          <a:xfrm>
+            <a:off x="1257627" y="2374897"/>
+            <a:ext cx="2474012" cy="261610"/>
+            <a:chOff x="1265120" y="2570094"/>
+            <a:chExt cx="2474012" cy="261610"/>
+          </a:xfrm>
+        </p:grpSpPr>
+        <p:grpSp>
+          <p:nvGrpSpPr>
+            <p:cNvPr id="27" name="组合 26">
+              <a:extLst>
+                <a:ext uri="{FF2B5EF4-FFF2-40B4-BE49-F238E27FC236}">
+                  <a16:creationId xmlns:a16="http://schemas.microsoft.com/office/drawing/2014/main" id="{454227A9-CFCE-4963-B524-CFD318E57DBC}"/>
+                </a:ext>
+              </a:extLst>
+            </p:cNvPr>
+            <p:cNvGrpSpPr/>
+            <p:nvPr/>
+          </p:nvGrpSpPr>
+          <p:grpSpPr>
+            <a:xfrm>
+              <a:off x="1265120" y="2573941"/>
+              <a:ext cx="1157475" cy="253916"/>
+              <a:chOff x="293745" y="995506"/>
+              <a:chExt cx="1133886" cy="253916"/>
+            </a:xfrm>
+          </p:grpSpPr>
+          <p:grpSp>
+            <p:nvGrpSpPr>
+              <p:cNvPr id="28" name="组合 27">
+                <a:extLst>
+                  <a:ext uri="{FF2B5EF4-FFF2-40B4-BE49-F238E27FC236}">
+                    <a16:creationId xmlns:a16="http://schemas.microsoft.com/office/drawing/2014/main" id="{52A01351-C5FF-4A3D-8E2F-CEFF43C09646}"/>
+                  </a:ext>
+                </a:extLst>
+              </p:cNvPr>
+              <p:cNvGrpSpPr/>
+              <p:nvPr/>
+            </p:nvGrpSpPr>
+            <p:grpSpPr>
+              <a:xfrm>
+                <a:off x="293745" y="1028456"/>
+                <a:ext cx="195708" cy="195708"/>
+                <a:chOff x="293745" y="1028456"/>
+                <a:chExt cx="195708" cy="195708"/>
+              </a:xfrm>
+            </p:grpSpPr>
+            <p:sp>
+              <p:nvSpPr>
+                <p:cNvPr id="31" name="椭圆 30">
+                  <a:extLst>
+                    <a:ext uri="{FF2B5EF4-FFF2-40B4-BE49-F238E27FC236}">
+                      <a16:creationId xmlns:a16="http://schemas.microsoft.com/office/drawing/2014/main" id="{B73EA5B8-653B-4D29-ACDE-DB740747D86A}"/>
+                    </a:ext>
+                  </a:extLst>
+                </p:cNvPr>
+                <p:cNvSpPr/>
+                <p:nvPr/>
+              </p:nvSpPr>
+              <p:spPr>
+                <a:xfrm>
+                  <a:off x="293745" y="1028456"/>
+                  <a:ext cx="195708" cy="195708"/>
+                </a:xfrm>
+                <a:prstGeom prst="ellipse">
+                  <a:avLst/>
+                </a:prstGeom>
+                <a:solidFill>
+                  <a:srgbClr val="09BB07"/>
+                </a:solidFill>
+                <a:ln>
+                  <a:noFill/>
+                </a:ln>
+              </p:spPr>
+              <p:style>
+                <a:lnRef idx="2">
+                  <a:schemeClr val="accent1">
+                    <a:shade val="50000"/>
+                  </a:schemeClr>
+                </a:lnRef>
+                <a:fillRef idx="1">
+                  <a:schemeClr val="accent1"/>
+                </a:fillRef>
+                <a:effectRef idx="0">
+                  <a:schemeClr val="accent1"/>
+                </a:effectRef>
+                <a:fontRef idx="minor">
+                  <a:schemeClr val="lt1"/>
+                </a:fontRef>
+              </p:style>
+              <p:txBody>
+                <a:bodyPr rtlCol="0" anchor="ctr"/>
+                <a:lstStyle/>
+                <a:p>
+                  <a:pPr algn="l">
+                    <a:lnSpc>
+                      <a:spcPct val="150000"/>
+                    </a:lnSpc>
+                  </a:pPr>
+                  <a:endParaRPr lang="zh-CN" altLang="en-US" sz="1000" dirty="0">
+                    <a:solidFill>
+                      <a:schemeClr val="tx1"/>
+                    </a:solidFill>
+                    <a:latin typeface="微软雅黑" panose="020B0503020204020204" pitchFamily="34" charset="-122"/>
+                    <a:ea typeface="微软雅黑" panose="020B0503020204020204" pitchFamily="34" charset="-122"/>
+                  </a:endParaRPr>
+                </a:p>
+              </p:txBody>
+            </p:sp>
+            <p:pic>
+              <p:nvPicPr>
+                <p:cNvPr id="36" name="图片 35">
+                  <a:extLst>
+                    <a:ext uri="{FF2B5EF4-FFF2-40B4-BE49-F238E27FC236}">
+                      <a16:creationId xmlns:a16="http://schemas.microsoft.com/office/drawing/2014/main" id="{EF76F31E-6079-4D79-9625-739C0E468C41}"/>
+                    </a:ext>
+                  </a:extLst>
+                </p:cNvPr>
+                <p:cNvPicPr>
+                  <a:picLocks noChangeAspect="1"/>
+                </p:cNvPicPr>
+                <p:nvPr/>
+              </p:nvPicPr>
+              <p:blipFill rotWithShape="1">
+                <a:blip r:embed="rId2">
+                  <a:biLevel thresh="25000"/>
+                  <a:extLst>
+                    <a:ext uri="{BEBA8EAE-BF5A-486C-A8C5-ECC9F3942E4B}">
+                      <a14:imgProps xmlns:a14="http://schemas.microsoft.com/office/drawing/2010/main">
+                        <a14:imgLayer r:embed="rId3">
+                          <a14:imgEffect>
+                            <a14:backgroundRemoval t="30028" b="76089" l="47246" r="52197"/>
+                          </a14:imgEffect>
+                        </a14:imgLayer>
+                      </a14:imgProps>
+                    </a:ext>
+                  </a:extLst>
+                </a:blip>
+                <a:srcRect l="46627" t="24271" r="47184" b="18153"/>
+                <a:stretch/>
+              </p:blipFill>
+              <p:spPr>
+                <a:xfrm>
+                  <a:off x="325552" y="1061785"/>
+                  <a:ext cx="120433" cy="124896"/>
+                </a:xfrm>
+                <a:prstGeom prst="rect">
+                  <a:avLst/>
+                </a:prstGeom>
+              </p:spPr>
+            </p:pic>
+          </p:grpSp>
+          <p:sp>
+            <p:nvSpPr>
+              <p:cNvPr id="29" name="文本框 28">
+                <a:extLst>
+                  <a:ext uri="{FF2B5EF4-FFF2-40B4-BE49-F238E27FC236}">
+                    <a16:creationId xmlns:a16="http://schemas.microsoft.com/office/drawing/2014/main" id="{C416801E-60CB-4E36-8171-98B5D420FA60}"/>
+                  </a:ext>
+                </a:extLst>
+              </p:cNvPr>
+              <p:cNvSpPr txBox="1"/>
+              <p:nvPr/>
+            </p:nvSpPr>
+            <p:spPr>
+              <a:xfrm>
+                <a:off x="594732" y="995506"/>
+                <a:ext cx="832899" cy="253916"/>
+              </a:xfrm>
+              <a:prstGeom prst="rect">
+                <a:avLst/>
+              </a:prstGeom>
+              <a:noFill/>
+            </p:spPr>
+            <p:txBody>
+              <a:bodyPr wrap="square" rtlCol="0">
+                <a:spAutoFit/>
+              </a:bodyPr>
+              <a:lstStyle/>
+              <a:p>
+                <a:pPr algn="l"/>
+                <a:r>
+                  <a:rPr lang="zh-CN" altLang="en-US" sz="1050" dirty="0">
+                    <a:latin typeface="微软雅黑" panose="020B0503020204020204" pitchFamily="34" charset="-122"/>
+                    <a:ea typeface="微软雅黑" panose="020B0503020204020204" pitchFamily="34" charset="-122"/>
+                  </a:rPr>
+                  <a:t>油站领取</a:t>
+                </a:r>
+              </a:p>
+            </p:txBody>
+          </p:sp>
+        </p:grpSp>
+        <p:grpSp>
+          <p:nvGrpSpPr>
+            <p:cNvPr id="37" name="组合 36">
+              <a:extLst>
+                <a:ext uri="{FF2B5EF4-FFF2-40B4-BE49-F238E27FC236}">
+                  <a16:creationId xmlns:a16="http://schemas.microsoft.com/office/drawing/2014/main" id="{C8C934E8-E31D-40CA-8DE1-483D80F7221D}"/>
+                </a:ext>
+              </a:extLst>
+            </p:cNvPr>
+            <p:cNvGrpSpPr/>
+            <p:nvPr/>
+          </p:nvGrpSpPr>
+          <p:grpSpPr>
+            <a:xfrm>
+              <a:off x="2530575" y="2570094"/>
+              <a:ext cx="1208557" cy="261610"/>
+              <a:chOff x="293745" y="1515976"/>
+              <a:chExt cx="1208557" cy="261610"/>
+            </a:xfrm>
+          </p:grpSpPr>
+          <p:sp>
+            <p:nvSpPr>
+              <p:cNvPr id="57" name="椭圆 56">
+                <a:extLst>
+                  <a:ext uri="{FF2B5EF4-FFF2-40B4-BE49-F238E27FC236}">
+                    <a16:creationId xmlns:a16="http://schemas.microsoft.com/office/drawing/2014/main" id="{50BEEB01-6337-40CE-A72D-BA052D86997F}"/>
+                  </a:ext>
+                </a:extLst>
+              </p:cNvPr>
+              <p:cNvSpPr/>
+              <p:nvPr/>
+            </p:nvSpPr>
+            <p:spPr>
+              <a:xfrm>
+                <a:off x="293745" y="1549567"/>
+                <a:ext cx="195708" cy="195708"/>
+              </a:xfrm>
+              <a:prstGeom prst="ellipse">
+                <a:avLst/>
+              </a:prstGeom>
+              <a:noFill/>
+              <a:ln>
+                <a:solidFill>
+                  <a:srgbClr val="CACACA"/>
+                </a:solidFill>
+              </a:ln>
+            </p:spPr>
+            <p:style>
+              <a:lnRef idx="2">
+                <a:schemeClr val="accent1">
+                  <a:shade val="50000"/>
+                </a:schemeClr>
+              </a:lnRef>
+              <a:fillRef idx="1">
+                <a:schemeClr val="accent1"/>
+              </a:fillRef>
+              <a:effectRef idx="0">
+                <a:schemeClr val="accent1"/>
+              </a:effectRef>
+              <a:fontRef idx="minor">
+                <a:schemeClr val="lt1"/>
+              </a:fontRef>
+            </p:style>
+            <p:txBody>
+              <a:bodyPr rtlCol="0" anchor="ctr"/>
+              <a:lstStyle/>
+              <a:p>
+                <a:pPr algn="l">
+                  <a:lnSpc>
+                    <a:spcPct val="150000"/>
+                  </a:lnSpc>
+                </a:pPr>
+                <a:endParaRPr lang="zh-CN" altLang="en-US" sz="1000" dirty="0">
+                  <a:solidFill>
+                    <a:schemeClr val="tx1"/>
+                  </a:solidFill>
+                  <a:latin typeface="微软雅黑" panose="020B0503020204020204" pitchFamily="34" charset="-122"/>
+                  <a:ea typeface="微软雅黑" panose="020B0503020204020204" pitchFamily="34" charset="-122"/>
+                </a:endParaRPr>
+              </a:p>
+            </p:txBody>
+          </p:sp>
+          <p:sp>
+            <p:nvSpPr>
+              <p:cNvPr id="51" name="文本框 50">
+                <a:extLst>
+                  <a:ext uri="{FF2B5EF4-FFF2-40B4-BE49-F238E27FC236}">
+                    <a16:creationId xmlns:a16="http://schemas.microsoft.com/office/drawing/2014/main" id="{6459D79E-94B0-4DE1-AB5D-F9CB0DF5EE69}"/>
+                  </a:ext>
+                </a:extLst>
+              </p:cNvPr>
+              <p:cNvSpPr txBox="1"/>
+              <p:nvPr/>
+            </p:nvSpPr>
+            <p:spPr>
+              <a:xfrm>
+                <a:off x="650489" y="1515976"/>
+                <a:ext cx="851813" cy="261610"/>
+              </a:xfrm>
+              <a:prstGeom prst="rect">
+                <a:avLst/>
+              </a:prstGeom>
+              <a:noFill/>
+            </p:spPr>
+            <p:txBody>
+              <a:bodyPr wrap="square" rtlCol="0">
+                <a:spAutoFit/>
+              </a:bodyPr>
+              <a:lstStyle/>
+              <a:p>
+                <a:pPr algn="l"/>
+                <a:r>
+                  <a:rPr lang="zh-CN" altLang="en-US" sz="1050" dirty="0">
+                    <a:latin typeface="微软雅黑" panose="020B0503020204020204" pitchFamily="34" charset="-122"/>
+                    <a:ea typeface="微软雅黑" panose="020B0503020204020204" pitchFamily="34" charset="-122"/>
+                  </a:rPr>
+                  <a:t>自寄地址</a:t>
+                </a:r>
+              </a:p>
+            </p:txBody>
+          </p:sp>
+        </p:grpSp>
+      </p:grpSp>
+      <p:pic>
+        <p:nvPicPr>
+          <p:cNvPr id="7" name="图片 6">
+            <a:extLst>
+              <a:ext uri="{FF2B5EF4-FFF2-40B4-BE49-F238E27FC236}">
+                <a16:creationId xmlns:a16="http://schemas.microsoft.com/office/drawing/2014/main" id="{77BE35E7-C431-4905-893F-F7FAE3BEF392}"/>
+              </a:ext>
+            </a:extLst>
+          </p:cNvPr>
+          <p:cNvPicPr>
+            <a:picLocks noChangeAspect="1"/>
+          </p:cNvPicPr>
+          <p:nvPr/>
+        </p:nvPicPr>
+        <p:blipFill rotWithShape="1">
+          <a:blip r:embed="rId4">
+            <a:extLst>
+              <a:ext uri="{28A0092B-C50C-407E-A947-70E740481C1C}">
+                <a14:useLocalDpi xmlns:a14="http://schemas.microsoft.com/office/drawing/2010/main" val="0"/>
+              </a:ext>
+            </a:extLst>
+          </a:blip>
+          <a:srcRect t="14827" b="36232"/>
+          <a:stretch/>
+        </p:blipFill>
+        <p:spPr>
+          <a:xfrm>
+            <a:off x="920850" y="2640731"/>
+            <a:ext cx="3171178" cy="3190225"/>
+          </a:xfrm>
+          <a:prstGeom prst="rect">
+            <a:avLst/>
+          </a:prstGeom>
+        </p:spPr>
+      </p:pic>
+      <p:sp>
+        <p:nvSpPr>
+          <p:cNvPr id="8" name="椭圆 7">
+            <a:hlinkClick r:id="rId5" action="ppaction://hlinksldjump"/>
+            <a:extLst>
+              <a:ext uri="{FF2B5EF4-FFF2-40B4-BE49-F238E27FC236}">
+                <a16:creationId xmlns:a16="http://schemas.microsoft.com/office/drawing/2014/main" id="{33B05E48-D2B8-45A8-BEBE-1541C4C219A6}"/>
+              </a:ext>
+            </a:extLst>
+          </p:cNvPr>
+          <p:cNvSpPr/>
+          <p:nvPr/>
+        </p:nvSpPr>
+        <p:spPr>
+          <a:xfrm>
+            <a:off x="2944161" y="4552503"/>
+            <a:ext cx="281107" cy="281107"/>
+          </a:xfrm>
+          <a:prstGeom prst="ellipse">
+            <a:avLst/>
+          </a:prstGeom>
+          <a:solidFill>
+            <a:schemeClr val="bg1">
+              <a:alpha val="0"/>
+            </a:schemeClr>
+          </a:solidFill>
+          <a:ln>
+            <a:noFill/>
+          </a:ln>
+        </p:spPr>
+        <p:style>
+          <a:lnRef idx="2">
+            <a:schemeClr val="accent1">
+              <a:shade val="50000"/>
+            </a:schemeClr>
+          </a:lnRef>
+          <a:fillRef idx="1">
+            <a:schemeClr val="accent1"/>
+          </a:fillRef>
+          <a:effectRef idx="0">
+            <a:schemeClr val="accent1"/>
+          </a:effectRef>
+          <a:fontRef idx="minor">
+            <a:schemeClr val="lt1"/>
+          </a:fontRef>
+        </p:style>
+        <p:txBody>
+          <a:bodyPr rtlCol="0" anchor="ctr"/>
+          <a:lstStyle/>
+          <a:p>
+            <a:pPr algn="ctr"/>
+            <a:endParaRPr lang="zh-CN" altLang="en-US" dirty="0"/>
+          </a:p>
+        </p:txBody>
+      </p:sp>
+      <p:sp>
+        <p:nvSpPr>
+          <p:cNvPr id="113" name="文本框 112">
+            <a:hlinkClick r:id="rId6" action="ppaction://hlinksldjump"/>
+            <a:extLst>
+              <a:ext uri="{FF2B5EF4-FFF2-40B4-BE49-F238E27FC236}">
+                <a16:creationId xmlns:a16="http://schemas.microsoft.com/office/drawing/2014/main" id="{39650B81-65D8-402C-9EB2-5FD303264A04}"/>
+              </a:ext>
+            </a:extLst>
+          </p:cNvPr>
+          <p:cNvSpPr txBox="1"/>
+          <p:nvPr/>
+        </p:nvSpPr>
+        <p:spPr>
+          <a:xfrm>
+            <a:off x="3008713" y="5786712"/>
+            <a:ext cx="1081785" cy="246221"/>
+          </a:xfrm>
+          <a:prstGeom prst="rect">
+            <a:avLst/>
+          </a:prstGeom>
+          <a:noFill/>
+        </p:spPr>
+        <p:txBody>
+          <a:bodyPr wrap="square" rtlCol="0">
+            <a:spAutoFit/>
+          </a:bodyPr>
+          <a:lstStyle/>
+          <a:p>
+            <a:pPr algn="r"/>
+            <a:r>
+              <a:rPr lang="zh-CN" altLang="en-US" sz="1000" dirty="0">
+                <a:solidFill>
+                  <a:schemeClr val="bg1">
+                    <a:lumMod val="65000"/>
+                  </a:schemeClr>
+                </a:solidFill>
+                <a:latin typeface="微软雅黑" panose="020B0503020204020204" pitchFamily="34" charset="-122"/>
+                <a:ea typeface="微软雅黑" panose="020B0503020204020204" pitchFamily="34" charset="-122"/>
+              </a:rPr>
+              <a:t>在列表中选择</a:t>
+            </a:r>
+          </a:p>
+        </p:txBody>
+      </p:sp>
+    </p:spTree>
+    <p:extLst>
+      <p:ext uri="{BB962C8B-B14F-4D97-AF65-F5344CB8AC3E}">
+        <p14:creationId xmlns:p14="http://schemas.microsoft.com/office/powerpoint/2010/main" val="108141644"/>
+      </p:ext>
+    </p:extLst>
+  </p:cSld>
+  <p:clrMapOvr>
+    <a:masterClrMapping/>
+  </p:clrMapOvr>
+</p:sld>
+</file>
+
+<file path=ppt/slides/slide3.xml><?xml version="1.0" encoding="utf-8"?>
+<p:sld xmlns:a="http://schemas.openxmlformats.org/drawingml/2006/main" xmlns:r="http://schemas.openxmlformats.org/officeDocument/2006/relationships" xmlns:p="http://schemas.openxmlformats.org/presentationml/2006/main">
+  <p:cSld>
+    <p:spTree>
+      <p:nvGrpSpPr>
+        <p:cNvPr id="1" name=""/>
+        <p:cNvGrpSpPr/>
+        <p:nvPr/>
+      </p:nvGrpSpPr>
+      <p:grpSpPr>
+        <a:xfrm>
+          <a:off x="0" y="0"/>
+          <a:ext cx="0" cy="0"/>
+          <a:chOff x="0" y="0"/>
+          <a:chExt cx="0" cy="0"/>
+        </a:xfrm>
+      </p:grpSpPr>
+      <p:sp>
+        <p:nvSpPr>
+          <p:cNvPr id="2" name="内容占位符 1">
+            <a:extLst>
+              <a:ext uri="{FF2B5EF4-FFF2-40B4-BE49-F238E27FC236}">
+                <a16:creationId xmlns:a16="http://schemas.microsoft.com/office/drawing/2014/main" id="{F8600D65-D602-42C4-9F8F-BDBEE060A471}"/>
+              </a:ext>
+            </a:extLst>
+          </p:cNvPr>
+          <p:cNvSpPr>
+            <a:spLocks noGrp="1"/>
+          </p:cNvSpPr>
+          <p:nvPr>
+            <p:ph sz="quarter" idx="10"/>
+          </p:nvPr>
+        </p:nvSpPr>
+        <p:spPr/>
+        <p:txBody>
+          <a:bodyPr/>
+          <a:lstStyle/>
+          <a:p>
+            <a:r>
+              <a:rPr lang="zh-CN" altLang="en-US" sz="1100" dirty="0"/>
+              <a:t>油站领取，免费</a:t>
+            </a:r>
+            <a:endParaRPr lang="en-US" altLang="zh-CN" sz="1100" dirty="0"/>
+          </a:p>
+          <a:p>
+            <a:r>
+              <a:rPr lang="zh-CN" altLang="en-US" sz="1100" dirty="0"/>
+              <a:t>自寄地址，收费</a:t>
+            </a:r>
+            <a:endParaRPr lang="en-US" altLang="zh-CN" sz="1100" dirty="0"/>
+          </a:p>
+          <a:p>
+            <a:endParaRPr lang="en-US" altLang="zh-CN" sz="1100" dirty="0"/>
+          </a:p>
+          <a:p>
+            <a:endParaRPr lang="en-US" altLang="zh-CN" sz="1100" dirty="0"/>
+          </a:p>
+          <a:p>
+            <a:endParaRPr lang="en-US" altLang="zh-CN" sz="1100" dirty="0"/>
+          </a:p>
+          <a:p>
+            <a:endParaRPr lang="en-US" altLang="zh-CN" sz="1100" dirty="0"/>
+          </a:p>
+          <a:p>
+            <a:endParaRPr lang="en-US" altLang="zh-CN" sz="1100" dirty="0"/>
+          </a:p>
+          <a:p>
+            <a:endParaRPr lang="en-US" altLang="zh-CN" sz="1100" dirty="0"/>
+          </a:p>
+          <a:p>
+            <a:endParaRPr lang="en-US" altLang="zh-CN" sz="1100" dirty="0"/>
+          </a:p>
+          <a:p>
+            <a:r>
+              <a:rPr lang="zh-CN" altLang="en-US" sz="1100" dirty="0"/>
+              <a:t>油站列表：</a:t>
+            </a:r>
+            <a:endParaRPr lang="en-US" altLang="zh-CN" sz="1100" dirty="0"/>
+          </a:p>
+          <a:p>
+            <a:r>
+              <a:rPr lang="en-US" altLang="zh-CN" sz="1100" dirty="0"/>
+              <a:t>1</a:t>
+            </a:r>
+            <a:r>
+              <a:rPr lang="zh-CN" altLang="en-US" sz="1100" dirty="0"/>
+              <a:t>、根据用户地理位置，将同城的油站，按地理位置近到远排序，仅展示同城</a:t>
+            </a:r>
+            <a:endParaRPr lang="en-US" altLang="zh-CN" sz="1100" dirty="0"/>
+          </a:p>
+          <a:p>
+            <a:r>
+              <a:rPr lang="en-US" altLang="zh-CN" sz="1100" dirty="0"/>
+              <a:t>2</a:t>
+            </a:r>
+            <a:r>
+              <a:rPr lang="zh-CN" altLang="en-US" sz="1100" dirty="0"/>
+              <a:t>、查看所有油站，展示完整的油站列表</a:t>
+            </a:r>
+            <a:endParaRPr lang="en-US" altLang="zh-CN" sz="1100" dirty="0"/>
+          </a:p>
+          <a:p>
+            <a:r>
+              <a:rPr lang="en-US" altLang="zh-CN" sz="1100" dirty="0"/>
+              <a:t>3</a:t>
+            </a:r>
+            <a:r>
+              <a:rPr lang="zh-CN" altLang="en-US" sz="1100" dirty="0"/>
+              <a:t>、可在地图上查看油站</a:t>
+            </a:r>
+            <a:endParaRPr lang="en-US" altLang="zh-CN" sz="1100" dirty="0"/>
+          </a:p>
+          <a:p>
+            <a:endParaRPr lang="en-US" altLang="zh-CN" sz="1100" dirty="0"/>
+          </a:p>
+        </p:txBody>
+      </p:sp>
+      <p:sp>
+        <p:nvSpPr>
+          <p:cNvPr id="3" name="标题 2">
+            <a:extLst>
+              <a:ext uri="{FF2B5EF4-FFF2-40B4-BE49-F238E27FC236}">
+                <a16:creationId xmlns:a16="http://schemas.microsoft.com/office/drawing/2014/main" id="{0FEE4CCC-9C27-486F-9402-B57E3D606EB5}"/>
+              </a:ext>
+            </a:extLst>
+          </p:cNvPr>
+          <p:cNvSpPr>
+            <a:spLocks noGrp="1"/>
+          </p:cNvSpPr>
+          <p:nvPr>
+            <p:ph type="title"/>
+          </p:nvPr>
+        </p:nvSpPr>
+        <p:spPr/>
+        <p:txBody>
+          <a:bodyPr/>
+          <a:lstStyle/>
+          <a:p>
+            <a:r>
+              <a:rPr lang="en-US" altLang="zh-CN" dirty="0"/>
+              <a:t>&lt; </a:t>
+            </a:r>
+            <a:r>
+              <a:rPr lang="zh-CN" altLang="en-US" dirty="0"/>
+              <a:t>领取挪车码</a:t>
+            </a:r>
+          </a:p>
+        </p:txBody>
+      </p:sp>
+      <p:sp>
+        <p:nvSpPr>
+          <p:cNvPr id="20" name="矩形 19">
+            <a:extLst>
+              <a:ext uri="{FF2B5EF4-FFF2-40B4-BE49-F238E27FC236}">
+                <a16:creationId xmlns:a16="http://schemas.microsoft.com/office/drawing/2014/main" id="{1ADFA4E0-F46D-4A27-B55E-9B2FA8922DE4}"/>
+              </a:ext>
+            </a:extLst>
+          </p:cNvPr>
+          <p:cNvSpPr/>
+          <p:nvPr/>
+        </p:nvSpPr>
+        <p:spPr>
+          <a:xfrm>
+            <a:off x="920850" y="742122"/>
+            <a:ext cx="3147567" cy="1106551"/>
+          </a:xfrm>
+          <a:prstGeom prst="rect">
+            <a:avLst/>
+          </a:prstGeom>
+          <a:solidFill>
+            <a:schemeClr val="bg1">
+              <a:lumMod val="50000"/>
+            </a:schemeClr>
+          </a:solidFill>
+          <a:ln>
+            <a:noFill/>
+          </a:ln>
+        </p:spPr>
+        <p:style>
+          <a:lnRef idx="2">
+            <a:schemeClr val="accent1">
+              <a:shade val="50000"/>
+            </a:schemeClr>
+          </a:lnRef>
+          <a:fillRef idx="1">
+            <a:schemeClr val="accent1"/>
+          </a:fillRef>
+          <a:effectRef idx="0">
+            <a:schemeClr val="accent1"/>
+          </a:effectRef>
+          <a:fontRef idx="minor">
+            <a:schemeClr val="lt1"/>
+          </a:fontRef>
+        </p:style>
+        <p:txBody>
+          <a:bodyPr rtlCol="0" anchor="ctr"/>
+          <a:lstStyle/>
+          <a:p>
+            <a:pPr algn="ctr"/>
+            <a:r>
+              <a:rPr lang="zh-CN" altLang="en-US" dirty="0">
+                <a:latin typeface="微软雅黑" panose="020B0503020204020204" pitchFamily="34" charset="-122"/>
+                <a:ea typeface="微软雅黑" panose="020B0503020204020204" pitchFamily="34" charset="-122"/>
+              </a:rPr>
+              <a:t>图片展示实物卡</a:t>
+            </a:r>
+          </a:p>
+        </p:txBody>
+      </p:sp>
+      <p:sp>
+        <p:nvSpPr>
+          <p:cNvPr id="38" name="文本框 37">
+            <a:extLst>
+              <a:ext uri="{FF2B5EF4-FFF2-40B4-BE49-F238E27FC236}">
+                <a16:creationId xmlns:a16="http://schemas.microsoft.com/office/drawing/2014/main" id="{57B436BD-161D-408B-98C5-E7C104FCE28B}"/>
+              </a:ext>
+            </a:extLst>
+          </p:cNvPr>
+          <p:cNvSpPr txBox="1"/>
+          <p:nvPr/>
+        </p:nvSpPr>
+        <p:spPr>
+          <a:xfrm>
+            <a:off x="868421" y="1827093"/>
+            <a:ext cx="2967729" cy="461665"/>
+          </a:xfrm>
+          <a:prstGeom prst="rect">
+            <a:avLst/>
+          </a:prstGeom>
+          <a:noFill/>
+        </p:spPr>
+        <p:txBody>
+          <a:bodyPr wrap="square" rtlCol="0">
+            <a:spAutoFit/>
+          </a:bodyPr>
+          <a:lstStyle/>
+          <a:p>
+            <a:r>
+              <a:rPr lang="zh-CN" altLang="en-US" sz="800" dirty="0">
+                <a:solidFill>
+                  <a:schemeClr val="bg1">
+                    <a:lumMod val="75000"/>
+                  </a:schemeClr>
+                </a:solidFill>
+                <a:latin typeface="微软雅黑" panose="020B0503020204020204" pitchFamily="34" charset="-122"/>
+                <a:ea typeface="微软雅黑" panose="020B0503020204020204" pitchFamily="34" charset="-122"/>
+              </a:rPr>
+              <a:t>物料包含：</a:t>
+            </a:r>
+            <a:endParaRPr lang="en-US" altLang="zh-CN" sz="800" dirty="0">
+              <a:solidFill>
+                <a:schemeClr val="bg1">
+                  <a:lumMod val="75000"/>
+                </a:schemeClr>
+              </a:solidFill>
+              <a:latin typeface="微软雅黑" panose="020B0503020204020204" pitchFamily="34" charset="-122"/>
+              <a:ea typeface="微软雅黑" panose="020B0503020204020204" pitchFamily="34" charset="-122"/>
+            </a:endParaRPr>
+          </a:p>
+          <a:p>
+            <a:r>
+              <a:rPr lang="en-US" altLang="zh-CN" sz="800" dirty="0">
+                <a:solidFill>
+                  <a:schemeClr val="bg1">
+                    <a:lumMod val="75000"/>
+                  </a:schemeClr>
+                </a:solidFill>
+                <a:latin typeface="微软雅黑" panose="020B0503020204020204" pitchFamily="34" charset="-122"/>
+                <a:ea typeface="微软雅黑" panose="020B0503020204020204" pitchFamily="34" charset="-122"/>
+              </a:rPr>
+              <a:t>PVC</a:t>
+            </a:r>
+            <a:r>
+              <a:rPr lang="zh-CN" altLang="en-US" sz="800" dirty="0">
+                <a:solidFill>
+                  <a:schemeClr val="bg1">
+                    <a:lumMod val="75000"/>
+                  </a:schemeClr>
+                </a:solidFill>
+                <a:latin typeface="微软雅黑" panose="020B0503020204020204" pitchFamily="34" charset="-122"/>
+                <a:ea typeface="微软雅黑" panose="020B0503020204020204" pitchFamily="34" charset="-122"/>
+              </a:rPr>
+              <a:t>卡一张（</a:t>
+            </a:r>
+            <a:r>
+              <a:rPr lang="en-US" altLang="zh-CN" sz="800" dirty="0">
+                <a:solidFill>
+                  <a:schemeClr val="bg1">
+                    <a:lumMod val="75000"/>
+                  </a:schemeClr>
+                </a:solidFill>
+                <a:latin typeface="微软雅黑" panose="020B0503020204020204" pitchFamily="34" charset="-122"/>
+                <a:ea typeface="微软雅黑" panose="020B0503020204020204" pitchFamily="34" charset="-122"/>
+              </a:rPr>
+              <a:t>300mm x 120mm</a:t>
+            </a:r>
+            <a:r>
+              <a:rPr lang="zh-CN" altLang="en-US" sz="800" dirty="0">
+                <a:solidFill>
+                  <a:schemeClr val="bg1">
+                    <a:lumMod val="75000"/>
+                  </a:schemeClr>
+                </a:solidFill>
+                <a:latin typeface="微软雅黑" panose="020B0503020204020204" pitchFamily="34" charset="-122"/>
+                <a:ea typeface="微软雅黑" panose="020B0503020204020204" pitchFamily="34" charset="-122"/>
+              </a:rPr>
+              <a:t>）</a:t>
+            </a:r>
+            <a:endParaRPr lang="en-US" altLang="zh-CN" sz="800" dirty="0">
+              <a:solidFill>
+                <a:schemeClr val="bg1">
+                  <a:lumMod val="75000"/>
+                </a:schemeClr>
+              </a:solidFill>
+              <a:latin typeface="微软雅黑" panose="020B0503020204020204" pitchFamily="34" charset="-122"/>
+              <a:ea typeface="微软雅黑" panose="020B0503020204020204" pitchFamily="34" charset="-122"/>
+            </a:endParaRPr>
+          </a:p>
+          <a:p>
+            <a:r>
+              <a:rPr lang="zh-CN" altLang="en-US" sz="800" dirty="0">
+                <a:solidFill>
+                  <a:schemeClr val="bg1">
+                    <a:lumMod val="75000"/>
+                  </a:schemeClr>
+                </a:solidFill>
+                <a:latin typeface="微软雅黑" panose="020B0503020204020204" pitchFamily="34" charset="-122"/>
+                <a:ea typeface="微软雅黑" panose="020B0503020204020204" pitchFamily="34" charset="-122"/>
+              </a:rPr>
+              <a:t>静电贴一张（</a:t>
+            </a:r>
+            <a:r>
+              <a:rPr lang="en-US" altLang="zh-CN" sz="800" dirty="0">
+                <a:solidFill>
+                  <a:schemeClr val="bg1">
+                    <a:lumMod val="75000"/>
+                  </a:schemeClr>
+                </a:solidFill>
+                <a:latin typeface="微软雅黑" panose="020B0503020204020204" pitchFamily="34" charset="-122"/>
+                <a:ea typeface="微软雅黑" panose="020B0503020204020204" pitchFamily="34" charset="-122"/>
+              </a:rPr>
+              <a:t>150mm x 150mm</a:t>
+            </a:r>
+            <a:r>
+              <a:rPr lang="zh-CN" altLang="en-US" sz="800" dirty="0">
+                <a:solidFill>
+                  <a:schemeClr val="bg1">
+                    <a:lumMod val="75000"/>
+                  </a:schemeClr>
+                </a:solidFill>
+                <a:latin typeface="微软雅黑" panose="020B0503020204020204" pitchFamily="34" charset="-122"/>
+                <a:ea typeface="微软雅黑" panose="020B0503020204020204" pitchFamily="34" charset="-122"/>
+              </a:rPr>
+              <a:t>）</a:t>
+            </a:r>
+          </a:p>
+        </p:txBody>
+      </p:sp>
+      <p:sp>
+        <p:nvSpPr>
+          <p:cNvPr id="21" name="矩形 20">
+            <a:extLst>
+              <a:ext uri="{FF2B5EF4-FFF2-40B4-BE49-F238E27FC236}">
+                <a16:creationId xmlns:a16="http://schemas.microsoft.com/office/drawing/2014/main" id="{582A5127-6D03-4AB5-851C-8E60A674A80F}"/>
+              </a:ext>
+            </a:extLst>
+          </p:cNvPr>
+          <p:cNvSpPr/>
+          <p:nvPr/>
+        </p:nvSpPr>
+        <p:spPr>
+          <a:xfrm>
+            <a:off x="942906" y="6016487"/>
+            <a:ext cx="3194125" cy="382537"/>
+          </a:xfrm>
+          <a:prstGeom prst="rect">
+            <a:avLst/>
+          </a:prstGeom>
+          <a:solidFill>
+            <a:schemeClr val="bg1"/>
+          </a:solidFill>
+          <a:ln>
+            <a:noFill/>
+          </a:ln>
+        </p:spPr>
+        <p:style>
+          <a:lnRef idx="2">
+            <a:schemeClr val="accent1">
+              <a:shade val="50000"/>
+            </a:schemeClr>
+          </a:lnRef>
+          <a:fillRef idx="1">
+            <a:schemeClr val="accent1"/>
+          </a:fillRef>
+          <a:effectRef idx="0">
+            <a:schemeClr val="accent1"/>
+          </a:effectRef>
+          <a:fontRef idx="minor">
+            <a:schemeClr val="lt1"/>
+          </a:fontRef>
+        </p:style>
+        <p:txBody>
+          <a:bodyPr rtlCol="0" anchor="ctr"/>
+          <a:lstStyle/>
+          <a:p>
+            <a:pPr algn="ctr"/>
+            <a:endParaRPr lang="zh-CN" altLang="en-US"/>
+          </a:p>
+        </p:txBody>
+      </p:sp>
+      <p:sp>
+        <p:nvSpPr>
+          <p:cNvPr id="22" name="文本框 21">
+            <a:extLst>
+              <a:ext uri="{FF2B5EF4-FFF2-40B4-BE49-F238E27FC236}">
+                <a16:creationId xmlns:a16="http://schemas.microsoft.com/office/drawing/2014/main" id="{EAD7BC33-36EA-437A-A117-AEF5E609195B}"/>
+              </a:ext>
+            </a:extLst>
+          </p:cNvPr>
+          <p:cNvSpPr txBox="1"/>
+          <p:nvPr/>
+        </p:nvSpPr>
+        <p:spPr>
+          <a:xfrm>
+            <a:off x="1048006" y="6102626"/>
+            <a:ext cx="1591704" cy="215444"/>
+          </a:xfrm>
+          <a:prstGeom prst="rect">
+            <a:avLst/>
+          </a:prstGeom>
+          <a:noFill/>
+        </p:spPr>
+        <p:txBody>
+          <a:bodyPr wrap="square" rtlCol="0">
+            <a:spAutoFit/>
+          </a:bodyPr>
+          <a:lstStyle/>
+          <a:p>
+            <a:r>
+              <a:rPr lang="zh-CN" altLang="en-US" sz="800" dirty="0">
+                <a:solidFill>
+                  <a:schemeClr val="bg1">
+                    <a:lumMod val="65000"/>
+                  </a:schemeClr>
+                </a:solidFill>
+                <a:latin typeface="微软雅黑" panose="020B0503020204020204" pitchFamily="34" charset="-122"/>
+                <a:ea typeface="微软雅黑" panose="020B0503020204020204" pitchFamily="34" charset="-122"/>
+              </a:rPr>
+              <a:t>你选择了北环方兴达油站</a:t>
+            </a:r>
+          </a:p>
+        </p:txBody>
+      </p:sp>
+      <p:sp>
+        <p:nvSpPr>
+          <p:cNvPr id="60" name="矩形: 圆角 59">
+            <a:hlinkClick r:id="rId2" action="ppaction://hlinksldjump"/>
+            <a:extLst>
+              <a:ext uri="{FF2B5EF4-FFF2-40B4-BE49-F238E27FC236}">
+                <a16:creationId xmlns:a16="http://schemas.microsoft.com/office/drawing/2014/main" id="{A33AF8AB-C296-4F71-9CE8-9B01D521A368}"/>
+              </a:ext>
+            </a:extLst>
+          </p:cNvPr>
+          <p:cNvSpPr/>
+          <p:nvPr/>
+        </p:nvSpPr>
+        <p:spPr>
+          <a:xfrm>
+            <a:off x="3116439" y="6021038"/>
+            <a:ext cx="1020592" cy="367886"/>
+          </a:xfrm>
+          <a:prstGeom prst="roundRect">
+            <a:avLst>
+              <a:gd name="adj" fmla="val 6455"/>
+            </a:avLst>
+          </a:prstGeom>
+          <a:solidFill>
+            <a:srgbClr val="09BB07"/>
+          </a:solidFill>
+          <a:ln>
+            <a:noFill/>
+          </a:ln>
+        </p:spPr>
+        <p:style>
+          <a:lnRef idx="2">
+            <a:schemeClr val="accent1">
+              <a:shade val="50000"/>
+            </a:schemeClr>
+          </a:lnRef>
+          <a:fillRef idx="1">
+            <a:schemeClr val="accent1"/>
+          </a:fillRef>
+          <a:effectRef idx="0">
+            <a:schemeClr val="accent1"/>
+          </a:effectRef>
+          <a:fontRef idx="minor">
+            <a:schemeClr val="lt1"/>
+          </a:fontRef>
+        </p:style>
+        <p:txBody>
+          <a:bodyPr rtlCol="0" anchor="ctr"/>
+          <a:lstStyle/>
+          <a:p>
+            <a:pPr algn="ctr"/>
+            <a:r>
+              <a:rPr lang="zh-CN" altLang="en-US" sz="1050" dirty="0">
+                <a:latin typeface="微软雅黑" panose="020B0503020204020204" pitchFamily="34" charset="-122"/>
+                <a:ea typeface="微软雅黑" panose="020B0503020204020204" pitchFamily="34" charset="-122"/>
+              </a:rPr>
+              <a:t>确认</a:t>
+            </a:r>
+          </a:p>
+        </p:txBody>
+      </p:sp>
+      <p:grpSp>
+        <p:nvGrpSpPr>
+          <p:cNvPr id="4" name="组合 3">
+            <a:extLst>
+              <a:ext uri="{FF2B5EF4-FFF2-40B4-BE49-F238E27FC236}">
+                <a16:creationId xmlns:a16="http://schemas.microsoft.com/office/drawing/2014/main" id="{5641295D-6D0A-4E9B-8E32-F5E4656309F7}"/>
+              </a:ext>
+            </a:extLst>
+          </p:cNvPr>
+          <p:cNvGrpSpPr/>
+          <p:nvPr/>
+        </p:nvGrpSpPr>
+        <p:grpSpPr>
+          <a:xfrm>
+            <a:off x="1257627" y="2374897"/>
+            <a:ext cx="2474012" cy="261610"/>
+            <a:chOff x="1265120" y="2570094"/>
+            <a:chExt cx="2474012" cy="261610"/>
+          </a:xfrm>
+        </p:grpSpPr>
+        <p:grpSp>
+          <p:nvGrpSpPr>
+            <p:cNvPr id="27" name="组合 26">
+              <a:extLst>
+                <a:ext uri="{FF2B5EF4-FFF2-40B4-BE49-F238E27FC236}">
+                  <a16:creationId xmlns:a16="http://schemas.microsoft.com/office/drawing/2014/main" id="{454227A9-CFCE-4963-B524-CFD318E57DBC}"/>
+                </a:ext>
+              </a:extLst>
+            </p:cNvPr>
+            <p:cNvGrpSpPr/>
+            <p:nvPr/>
+          </p:nvGrpSpPr>
+          <p:grpSpPr>
+            <a:xfrm>
+              <a:off x="1265120" y="2573941"/>
+              <a:ext cx="1157475" cy="253916"/>
+              <a:chOff x="293745" y="995506"/>
+              <a:chExt cx="1133886" cy="253916"/>
+            </a:xfrm>
+          </p:grpSpPr>
+          <p:grpSp>
+            <p:nvGrpSpPr>
+              <p:cNvPr id="28" name="组合 27">
+                <a:extLst>
+                  <a:ext uri="{FF2B5EF4-FFF2-40B4-BE49-F238E27FC236}">
+                    <a16:creationId xmlns:a16="http://schemas.microsoft.com/office/drawing/2014/main" id="{52A01351-C5FF-4A3D-8E2F-CEFF43C09646}"/>
+                  </a:ext>
+                </a:extLst>
+              </p:cNvPr>
+              <p:cNvGrpSpPr/>
+              <p:nvPr/>
+            </p:nvGrpSpPr>
+            <p:grpSpPr>
+              <a:xfrm>
+                <a:off x="293745" y="1028456"/>
+                <a:ext cx="195708" cy="195708"/>
+                <a:chOff x="293745" y="1028456"/>
+                <a:chExt cx="195708" cy="195708"/>
+              </a:xfrm>
+            </p:grpSpPr>
+            <p:sp>
+              <p:nvSpPr>
+                <p:cNvPr id="31" name="椭圆 30">
+                  <a:extLst>
+                    <a:ext uri="{FF2B5EF4-FFF2-40B4-BE49-F238E27FC236}">
+                      <a16:creationId xmlns:a16="http://schemas.microsoft.com/office/drawing/2014/main" id="{B73EA5B8-653B-4D29-ACDE-DB740747D86A}"/>
+                    </a:ext>
+                  </a:extLst>
+                </p:cNvPr>
+                <p:cNvSpPr/>
+                <p:nvPr/>
+              </p:nvSpPr>
+              <p:spPr>
+                <a:xfrm>
+                  <a:off x="293745" y="1028456"/>
+                  <a:ext cx="195708" cy="195708"/>
+                </a:xfrm>
+                <a:prstGeom prst="ellipse">
+                  <a:avLst/>
+                </a:prstGeom>
+                <a:solidFill>
+                  <a:srgbClr val="09BB07"/>
+                </a:solidFill>
+                <a:ln>
+                  <a:noFill/>
+                </a:ln>
+              </p:spPr>
+              <p:style>
+                <a:lnRef idx="2">
+                  <a:schemeClr val="accent1">
+                    <a:shade val="50000"/>
+                  </a:schemeClr>
+                </a:lnRef>
+                <a:fillRef idx="1">
+                  <a:schemeClr val="accent1"/>
+                </a:fillRef>
+                <a:effectRef idx="0">
+                  <a:schemeClr val="accent1"/>
+                </a:effectRef>
+                <a:fontRef idx="minor">
+                  <a:schemeClr val="lt1"/>
+                </a:fontRef>
+              </p:style>
+              <p:txBody>
+                <a:bodyPr rtlCol="0" anchor="ctr"/>
+                <a:lstStyle/>
+                <a:p>
+                  <a:pPr algn="l">
+                    <a:lnSpc>
+                      <a:spcPct val="150000"/>
+                    </a:lnSpc>
+                  </a:pPr>
+                  <a:endParaRPr lang="zh-CN" altLang="en-US" sz="1000" dirty="0">
+                    <a:solidFill>
+                      <a:schemeClr val="tx1"/>
+                    </a:solidFill>
+                    <a:latin typeface="微软雅黑" panose="020B0503020204020204" pitchFamily="34" charset="-122"/>
+                    <a:ea typeface="微软雅黑" panose="020B0503020204020204" pitchFamily="34" charset="-122"/>
+                  </a:endParaRPr>
+                </a:p>
+              </p:txBody>
+            </p:sp>
+            <p:pic>
+              <p:nvPicPr>
+                <p:cNvPr id="36" name="图片 35">
+                  <a:extLst>
+                    <a:ext uri="{FF2B5EF4-FFF2-40B4-BE49-F238E27FC236}">
+                      <a16:creationId xmlns:a16="http://schemas.microsoft.com/office/drawing/2014/main" id="{EF76F31E-6079-4D79-9625-739C0E468C41}"/>
+                    </a:ext>
+                  </a:extLst>
+                </p:cNvPr>
+                <p:cNvPicPr>
+                  <a:picLocks noChangeAspect="1"/>
+                </p:cNvPicPr>
+                <p:nvPr/>
+              </p:nvPicPr>
+              <p:blipFill rotWithShape="1">
+                <a:blip r:embed="rId3">
+                  <a:biLevel thresh="25000"/>
+                  <a:extLst>
+                    <a:ext uri="{BEBA8EAE-BF5A-486C-A8C5-ECC9F3942E4B}">
+                      <a14:imgProps xmlns:a14="http://schemas.microsoft.com/office/drawing/2010/main">
+                        <a14:imgLayer r:embed="rId4">
+                          <a14:imgEffect>
+                            <a14:backgroundRemoval t="30028" b="76089" l="47246" r="52197"/>
+                          </a14:imgEffect>
+                        </a14:imgLayer>
+                      </a14:imgProps>
+                    </a:ext>
+                  </a:extLst>
+                </a:blip>
+                <a:srcRect l="46627" t="24271" r="47184" b="18153"/>
+                <a:stretch/>
+              </p:blipFill>
+              <p:spPr>
+                <a:xfrm>
+                  <a:off x="325552" y="1061785"/>
+                  <a:ext cx="120433" cy="124896"/>
+                </a:xfrm>
+                <a:prstGeom prst="rect">
+                  <a:avLst/>
+                </a:prstGeom>
+              </p:spPr>
+            </p:pic>
+          </p:grpSp>
+          <p:sp>
+            <p:nvSpPr>
+              <p:cNvPr id="29" name="文本框 28">
+                <a:extLst>
+                  <a:ext uri="{FF2B5EF4-FFF2-40B4-BE49-F238E27FC236}">
+                    <a16:creationId xmlns:a16="http://schemas.microsoft.com/office/drawing/2014/main" id="{C416801E-60CB-4E36-8171-98B5D420FA60}"/>
+                  </a:ext>
+                </a:extLst>
+              </p:cNvPr>
+              <p:cNvSpPr txBox="1"/>
+              <p:nvPr/>
+            </p:nvSpPr>
+            <p:spPr>
+              <a:xfrm>
+                <a:off x="594732" y="995506"/>
+                <a:ext cx="832899" cy="253916"/>
+              </a:xfrm>
+              <a:prstGeom prst="rect">
+                <a:avLst/>
+              </a:prstGeom>
+              <a:noFill/>
+            </p:spPr>
+            <p:txBody>
+              <a:bodyPr wrap="square" rtlCol="0">
+                <a:spAutoFit/>
+              </a:bodyPr>
+              <a:lstStyle/>
+              <a:p>
+                <a:pPr algn="l"/>
+                <a:r>
+                  <a:rPr lang="zh-CN" altLang="en-US" sz="1050" dirty="0">
+                    <a:latin typeface="微软雅黑" panose="020B0503020204020204" pitchFamily="34" charset="-122"/>
+                    <a:ea typeface="微软雅黑" panose="020B0503020204020204" pitchFamily="34" charset="-122"/>
+                  </a:rPr>
+                  <a:t>油站领取</a:t>
+                </a:r>
+              </a:p>
+            </p:txBody>
+          </p:sp>
+        </p:grpSp>
+        <p:grpSp>
+          <p:nvGrpSpPr>
+            <p:cNvPr id="37" name="组合 36">
+              <a:extLst>
+                <a:ext uri="{FF2B5EF4-FFF2-40B4-BE49-F238E27FC236}">
+                  <a16:creationId xmlns:a16="http://schemas.microsoft.com/office/drawing/2014/main" id="{C8C934E8-E31D-40CA-8DE1-483D80F7221D}"/>
+                </a:ext>
+              </a:extLst>
+            </p:cNvPr>
+            <p:cNvGrpSpPr/>
+            <p:nvPr/>
+          </p:nvGrpSpPr>
+          <p:grpSpPr>
+            <a:xfrm>
+              <a:off x="2530575" y="2570094"/>
+              <a:ext cx="1208557" cy="261610"/>
+              <a:chOff x="293745" y="1515976"/>
+              <a:chExt cx="1208557" cy="261610"/>
+            </a:xfrm>
+          </p:grpSpPr>
+          <p:sp>
+            <p:nvSpPr>
+              <p:cNvPr id="57" name="椭圆 56">
+                <a:extLst>
+                  <a:ext uri="{FF2B5EF4-FFF2-40B4-BE49-F238E27FC236}">
+                    <a16:creationId xmlns:a16="http://schemas.microsoft.com/office/drawing/2014/main" id="{50BEEB01-6337-40CE-A72D-BA052D86997F}"/>
+                  </a:ext>
+                </a:extLst>
+              </p:cNvPr>
+              <p:cNvSpPr/>
+              <p:nvPr/>
+            </p:nvSpPr>
+            <p:spPr>
+              <a:xfrm>
+                <a:off x="293745" y="1549567"/>
+                <a:ext cx="195708" cy="195708"/>
+              </a:xfrm>
+              <a:prstGeom prst="ellipse">
+                <a:avLst/>
+              </a:prstGeom>
+              <a:noFill/>
+              <a:ln>
+                <a:solidFill>
+                  <a:srgbClr val="CACACA"/>
+                </a:solidFill>
+              </a:ln>
+            </p:spPr>
+            <p:style>
+              <a:lnRef idx="2">
+                <a:schemeClr val="accent1">
+                  <a:shade val="50000"/>
+                </a:schemeClr>
+              </a:lnRef>
+              <a:fillRef idx="1">
+                <a:schemeClr val="accent1"/>
+              </a:fillRef>
+              <a:effectRef idx="0">
+                <a:schemeClr val="accent1"/>
+              </a:effectRef>
+              <a:fontRef idx="minor">
+                <a:schemeClr val="lt1"/>
+              </a:fontRef>
+            </p:style>
+            <p:txBody>
+              <a:bodyPr rtlCol="0" anchor="ctr"/>
+              <a:lstStyle/>
+              <a:p>
+                <a:pPr algn="l">
+                  <a:lnSpc>
+                    <a:spcPct val="150000"/>
+                  </a:lnSpc>
+                </a:pPr>
+                <a:endParaRPr lang="zh-CN" altLang="en-US" sz="1000" dirty="0">
+                  <a:solidFill>
+                    <a:schemeClr val="tx1"/>
+                  </a:solidFill>
+                  <a:latin typeface="微软雅黑" panose="020B0503020204020204" pitchFamily="34" charset="-122"/>
+                  <a:ea typeface="微软雅黑" panose="020B0503020204020204" pitchFamily="34" charset="-122"/>
+                </a:endParaRPr>
+              </a:p>
+            </p:txBody>
+          </p:sp>
+          <p:sp>
+            <p:nvSpPr>
+              <p:cNvPr id="51" name="文本框 50">
+                <a:extLst>
+                  <a:ext uri="{FF2B5EF4-FFF2-40B4-BE49-F238E27FC236}">
+                    <a16:creationId xmlns:a16="http://schemas.microsoft.com/office/drawing/2014/main" id="{6459D79E-94B0-4DE1-AB5D-F9CB0DF5EE69}"/>
+                  </a:ext>
+                </a:extLst>
+              </p:cNvPr>
+              <p:cNvSpPr txBox="1"/>
+              <p:nvPr/>
+            </p:nvSpPr>
+            <p:spPr>
+              <a:xfrm>
+                <a:off x="650489" y="1515976"/>
+                <a:ext cx="851813" cy="261610"/>
+              </a:xfrm>
+              <a:prstGeom prst="rect">
+                <a:avLst/>
+              </a:prstGeom>
+              <a:noFill/>
+            </p:spPr>
+            <p:txBody>
+              <a:bodyPr wrap="square" rtlCol="0">
+                <a:spAutoFit/>
+              </a:bodyPr>
+              <a:lstStyle/>
+              <a:p>
+                <a:pPr algn="l"/>
+                <a:r>
+                  <a:rPr lang="zh-CN" altLang="en-US" sz="1050" dirty="0">
+                    <a:latin typeface="微软雅黑" panose="020B0503020204020204" pitchFamily="34" charset="-122"/>
+                    <a:ea typeface="微软雅黑" panose="020B0503020204020204" pitchFamily="34" charset="-122"/>
+                  </a:rPr>
+                  <a:t>自寄地址</a:t>
+                </a:r>
+              </a:p>
+            </p:txBody>
+          </p:sp>
+        </p:grpSp>
+      </p:grpSp>
+      <p:pic>
+        <p:nvPicPr>
+          <p:cNvPr id="7" name="图片 6">
+            <a:extLst>
+              <a:ext uri="{FF2B5EF4-FFF2-40B4-BE49-F238E27FC236}">
+                <a16:creationId xmlns:a16="http://schemas.microsoft.com/office/drawing/2014/main" id="{77BE35E7-C431-4905-893F-F7FAE3BEF392}"/>
+              </a:ext>
+            </a:extLst>
+          </p:cNvPr>
+          <p:cNvPicPr>
+            <a:picLocks noChangeAspect="1"/>
+          </p:cNvPicPr>
+          <p:nvPr/>
+        </p:nvPicPr>
+        <p:blipFill rotWithShape="1">
+          <a:blip r:embed="rId5">
+            <a:extLst>
+              <a:ext uri="{28A0092B-C50C-407E-A947-70E740481C1C}">
+                <a14:useLocalDpi xmlns:a14="http://schemas.microsoft.com/office/drawing/2010/main" val="0"/>
+              </a:ext>
+            </a:extLst>
+          </a:blip>
+          <a:srcRect t="14704" b="36231"/>
+          <a:stretch/>
+        </p:blipFill>
+        <p:spPr>
+          <a:xfrm>
+            <a:off x="920850" y="2632660"/>
+            <a:ext cx="3171178" cy="3198296"/>
+          </a:xfrm>
+          <a:prstGeom prst="rect">
+            <a:avLst/>
+          </a:prstGeom>
+        </p:spPr>
+      </p:pic>
+      <p:sp>
+        <p:nvSpPr>
+          <p:cNvPr id="8" name="椭圆 7">
+            <a:extLst>
+              <a:ext uri="{FF2B5EF4-FFF2-40B4-BE49-F238E27FC236}">
+                <a16:creationId xmlns:a16="http://schemas.microsoft.com/office/drawing/2014/main" id="{33B05E48-D2B8-45A8-BEBE-1541C4C219A6}"/>
+              </a:ext>
+            </a:extLst>
+          </p:cNvPr>
+          <p:cNvSpPr/>
+          <p:nvPr/>
+        </p:nvSpPr>
+        <p:spPr>
+          <a:xfrm>
+            <a:off x="2944161" y="4552503"/>
+            <a:ext cx="281107" cy="281107"/>
+          </a:xfrm>
+          <a:prstGeom prst="ellipse">
+            <a:avLst/>
+          </a:prstGeom>
+          <a:solidFill>
+            <a:schemeClr val="bg1">
+              <a:alpha val="0"/>
+            </a:schemeClr>
+          </a:solidFill>
+          <a:ln>
+            <a:noFill/>
+          </a:ln>
+        </p:spPr>
+        <p:style>
+          <a:lnRef idx="2">
+            <a:schemeClr val="accent1">
+              <a:shade val="50000"/>
+            </a:schemeClr>
+          </a:lnRef>
+          <a:fillRef idx="1">
+            <a:schemeClr val="accent1"/>
+          </a:fillRef>
+          <a:effectRef idx="0">
+            <a:schemeClr val="accent1"/>
+          </a:effectRef>
+          <a:fontRef idx="minor">
+            <a:schemeClr val="lt1"/>
+          </a:fontRef>
+        </p:style>
+        <p:txBody>
+          <a:bodyPr rtlCol="0" anchor="ctr"/>
+          <a:lstStyle/>
+          <a:p>
+            <a:pPr algn="ctr"/>
+            <a:endParaRPr lang="zh-CN" altLang="en-US" dirty="0"/>
+          </a:p>
+        </p:txBody>
+      </p:sp>
+      <p:sp>
+        <p:nvSpPr>
+          <p:cNvPr id="30" name="文本框 29">
+            <a:hlinkClick r:id="rId6" action="ppaction://hlinksldjump"/>
+            <a:extLst>
+              <a:ext uri="{FF2B5EF4-FFF2-40B4-BE49-F238E27FC236}">
+                <a16:creationId xmlns:a16="http://schemas.microsoft.com/office/drawing/2014/main" id="{9BB5944B-8761-4A59-9610-8C2A479DD035}"/>
+              </a:ext>
+            </a:extLst>
+          </p:cNvPr>
+          <p:cNvSpPr txBox="1"/>
+          <p:nvPr/>
+        </p:nvSpPr>
+        <p:spPr>
+          <a:xfrm>
+            <a:off x="3324700" y="3807511"/>
+            <a:ext cx="724619" cy="241105"/>
+          </a:xfrm>
+          <a:prstGeom prst="rect">
+            <a:avLst/>
+          </a:prstGeom>
+          <a:noFill/>
+        </p:spPr>
+        <p:txBody>
+          <a:bodyPr wrap="square" rtlCol="0">
+            <a:spAutoFit/>
+          </a:bodyPr>
+          <a:lstStyle/>
+          <a:p>
+            <a:pPr algn="ctr"/>
+            <a:r>
+              <a:rPr lang="zh-CN" altLang="en-US" sz="1000" dirty="0">
+                <a:solidFill>
+                  <a:srgbClr val="09BB07"/>
+                </a:solidFill>
+                <a:latin typeface="微软雅黑" panose="020B0503020204020204" pitchFamily="34" charset="-122"/>
+                <a:ea typeface="微软雅黑" panose="020B0503020204020204" pitchFamily="34" charset="-122"/>
+              </a:rPr>
+              <a:t>确定</a:t>
+            </a:r>
+          </a:p>
+        </p:txBody>
+      </p:sp>
+      <p:sp>
+        <p:nvSpPr>
+          <p:cNvPr id="32" name="文本框 31">
+            <a:extLst>
+              <a:ext uri="{FF2B5EF4-FFF2-40B4-BE49-F238E27FC236}">
+                <a16:creationId xmlns:a16="http://schemas.microsoft.com/office/drawing/2014/main" id="{FE2490BD-98F0-4517-9839-E2DFE0959F3E}"/>
+              </a:ext>
+            </a:extLst>
+          </p:cNvPr>
+          <p:cNvSpPr txBox="1"/>
+          <p:nvPr/>
+        </p:nvSpPr>
+        <p:spPr>
+          <a:xfrm>
+            <a:off x="998717" y="3803192"/>
+            <a:ext cx="724619" cy="233798"/>
+          </a:xfrm>
+          <a:prstGeom prst="rect">
+            <a:avLst/>
+          </a:prstGeom>
+          <a:noFill/>
+        </p:spPr>
+        <p:txBody>
+          <a:bodyPr wrap="square" rtlCol="0">
+            <a:spAutoFit/>
+          </a:bodyPr>
+          <a:lstStyle/>
+          <a:p>
+            <a:pPr algn="ctr"/>
+            <a:r>
+              <a:rPr lang="zh-CN" altLang="en-US" sz="1000" dirty="0">
+                <a:solidFill>
+                  <a:schemeClr val="bg1">
+                    <a:lumMod val="75000"/>
+                  </a:schemeClr>
+                </a:solidFill>
+                <a:latin typeface="微软雅黑" panose="020B0503020204020204" pitchFamily="34" charset="-122"/>
+                <a:ea typeface="微软雅黑" panose="020B0503020204020204" pitchFamily="34" charset="-122"/>
+              </a:rPr>
+              <a:t>取消</a:t>
+            </a:r>
+          </a:p>
+        </p:txBody>
+      </p:sp>
+      <p:sp>
+        <p:nvSpPr>
+          <p:cNvPr id="33" name="椭圆 32">
+            <a:extLst>
+              <a:ext uri="{FF2B5EF4-FFF2-40B4-BE49-F238E27FC236}">
+                <a16:creationId xmlns:a16="http://schemas.microsoft.com/office/drawing/2014/main" id="{3A3619D5-9D77-46A5-B426-880A810F5A59}"/>
+              </a:ext>
+            </a:extLst>
+          </p:cNvPr>
+          <p:cNvSpPr/>
+          <p:nvPr/>
+        </p:nvSpPr>
+        <p:spPr>
+          <a:xfrm>
+            <a:off x="2932010" y="4548642"/>
+            <a:ext cx="281107" cy="281107"/>
+          </a:xfrm>
+          <a:prstGeom prst="ellipse">
+            <a:avLst/>
+          </a:prstGeom>
+          <a:solidFill>
+            <a:schemeClr val="bg1">
+              <a:alpha val="0"/>
+            </a:schemeClr>
+          </a:solidFill>
+          <a:ln>
+            <a:solidFill>
+              <a:srgbClr val="C00000"/>
+            </a:solidFill>
+          </a:ln>
+          <a:effectLst>
+            <a:glow rad="228600">
+              <a:schemeClr val="accent2">
+                <a:satMod val="175000"/>
+                <a:alpha val="40000"/>
+              </a:schemeClr>
+            </a:glow>
+          </a:effectLst>
+        </p:spPr>
+        <p:style>
+          <a:lnRef idx="2">
+            <a:schemeClr val="accent1">
+              <a:shade val="50000"/>
+            </a:schemeClr>
+          </a:lnRef>
+          <a:fillRef idx="1">
+            <a:schemeClr val="accent1"/>
+          </a:fillRef>
+          <a:effectRef idx="0">
+            <a:schemeClr val="accent1"/>
+          </a:effectRef>
+          <a:fontRef idx="minor">
+            <a:schemeClr val="lt1"/>
+          </a:fontRef>
+        </p:style>
+        <p:txBody>
+          <a:bodyPr rtlCol="0" anchor="ctr"/>
+          <a:lstStyle/>
+          <a:p>
+            <a:pPr algn="ctr"/>
+            <a:endParaRPr lang="zh-CN" altLang="en-US" dirty="0"/>
+          </a:p>
+        </p:txBody>
+      </p:sp>
+      <p:sp>
+        <p:nvSpPr>
+          <p:cNvPr id="34" name="文本框 33">
+            <a:hlinkClick r:id="rId7" action="ppaction://hlinksldjump"/>
+            <a:extLst>
+              <a:ext uri="{FF2B5EF4-FFF2-40B4-BE49-F238E27FC236}">
+                <a16:creationId xmlns:a16="http://schemas.microsoft.com/office/drawing/2014/main" id="{98E6562B-3658-4622-BD55-7C13A23442A7}"/>
+              </a:ext>
+            </a:extLst>
+          </p:cNvPr>
+          <p:cNvSpPr txBox="1"/>
+          <p:nvPr/>
+        </p:nvSpPr>
+        <p:spPr>
+          <a:xfrm>
+            <a:off x="3008713" y="5786712"/>
+            <a:ext cx="1081785" cy="246221"/>
+          </a:xfrm>
+          <a:prstGeom prst="rect">
+            <a:avLst/>
+          </a:prstGeom>
+          <a:noFill/>
+        </p:spPr>
+        <p:txBody>
+          <a:bodyPr wrap="square" rtlCol="0">
+            <a:spAutoFit/>
+          </a:bodyPr>
+          <a:lstStyle/>
+          <a:p>
+            <a:pPr algn="r"/>
+            <a:r>
+              <a:rPr lang="zh-CN" altLang="en-US" sz="1000" dirty="0">
+                <a:solidFill>
+                  <a:schemeClr val="bg1">
+                    <a:lumMod val="65000"/>
+                  </a:schemeClr>
+                </a:solidFill>
+                <a:latin typeface="微软雅黑" panose="020B0503020204020204" pitchFamily="34" charset="-122"/>
+                <a:ea typeface="微软雅黑" panose="020B0503020204020204" pitchFamily="34" charset="-122"/>
+              </a:rPr>
+              <a:t>在列表中选择</a:t>
+            </a:r>
+          </a:p>
+        </p:txBody>
+      </p:sp>
+    </p:spTree>
+    <p:extLst>
+      <p:ext uri="{BB962C8B-B14F-4D97-AF65-F5344CB8AC3E}">
+        <p14:creationId xmlns:p14="http://schemas.microsoft.com/office/powerpoint/2010/main" val="3939652935"/>
+      </p:ext>
+    </p:extLst>
+  </p:cSld>
+  <p:clrMapOvr>
+    <a:masterClrMapping/>
+  </p:clrMapOvr>
+</p:sld>
+</file>
+
+<file path=ppt/slides/slide4.xml><?xml version="1.0" encoding="utf-8"?>
 <p:sld xmlns:a="http://schemas.openxmlformats.org/drawingml/2006/main" xmlns:r="http://schemas.openxmlformats.org/officeDocument/2006/relationships" xmlns:p="http://schemas.openxmlformats.org/presentationml/2006/main">
   <p:cSld>
     <p:spTree>
@@ -5052,2136 +7182,6 @@
 </p:sld>
 </file>
 
-<file path=ppt/slides/slide3.xml><?xml version="1.0" encoding="utf-8"?>
-<p:sld xmlns:a="http://schemas.openxmlformats.org/drawingml/2006/main" xmlns:r="http://schemas.openxmlformats.org/officeDocument/2006/relationships" xmlns:p="http://schemas.openxmlformats.org/presentationml/2006/main">
-  <p:cSld>
-    <p:spTree>
-      <p:nvGrpSpPr>
-        <p:cNvPr id="1" name=""/>
-        <p:cNvGrpSpPr/>
-        <p:nvPr/>
-      </p:nvGrpSpPr>
-      <p:grpSpPr>
-        <a:xfrm>
-          <a:off x="0" y="0"/>
-          <a:ext cx="0" cy="0"/>
-          <a:chOff x="0" y="0"/>
-          <a:chExt cx="0" cy="0"/>
-        </a:xfrm>
-      </p:grpSpPr>
-      <p:sp>
-        <p:nvSpPr>
-          <p:cNvPr id="2" name="内容占位符 1">
-            <a:extLst>
-              <a:ext uri="{FF2B5EF4-FFF2-40B4-BE49-F238E27FC236}">
-                <a16:creationId xmlns:a16="http://schemas.microsoft.com/office/drawing/2014/main" id="{F8600D65-D602-42C4-9F8F-BDBEE060A471}"/>
-              </a:ext>
-            </a:extLst>
-          </p:cNvPr>
-          <p:cNvSpPr>
-            <a:spLocks noGrp="1"/>
-          </p:cNvSpPr>
-          <p:nvPr>
-            <p:ph sz="quarter" idx="10"/>
-          </p:nvPr>
-        </p:nvSpPr>
-        <p:spPr/>
-        <p:txBody>
-          <a:bodyPr/>
-          <a:lstStyle/>
-          <a:p>
-            <a:r>
-              <a:rPr lang="zh-CN" altLang="en-US" sz="1100" dirty="0"/>
-              <a:t>油站领取，免费</a:t>
-            </a:r>
-            <a:endParaRPr lang="en-US" altLang="zh-CN" sz="1100" dirty="0"/>
-          </a:p>
-          <a:p>
-            <a:r>
-              <a:rPr lang="zh-CN" altLang="en-US" sz="1100" dirty="0"/>
-              <a:t>自寄地址，收费</a:t>
-            </a:r>
-            <a:endParaRPr lang="en-US" altLang="zh-CN" sz="1100" dirty="0"/>
-          </a:p>
-          <a:p>
-            <a:endParaRPr lang="en-US" altLang="zh-CN" sz="1100" dirty="0"/>
-          </a:p>
-          <a:p>
-            <a:endParaRPr lang="en-US" altLang="zh-CN" sz="1100" dirty="0"/>
-          </a:p>
-          <a:p>
-            <a:endParaRPr lang="en-US" altLang="zh-CN" sz="1100" dirty="0"/>
-          </a:p>
-          <a:p>
-            <a:endParaRPr lang="en-US" altLang="zh-CN" sz="1100" dirty="0"/>
-          </a:p>
-          <a:p>
-            <a:endParaRPr lang="en-US" altLang="zh-CN" sz="1100" dirty="0"/>
-          </a:p>
-          <a:p>
-            <a:endParaRPr lang="en-US" altLang="zh-CN" sz="1100" dirty="0"/>
-          </a:p>
-          <a:p>
-            <a:endParaRPr lang="en-US" altLang="zh-CN" sz="1100" dirty="0"/>
-          </a:p>
-          <a:p>
-            <a:r>
-              <a:rPr lang="zh-CN" altLang="en-US" sz="1100" dirty="0"/>
-              <a:t>油站列表：</a:t>
-            </a:r>
-            <a:endParaRPr lang="en-US" altLang="zh-CN" sz="1100" dirty="0"/>
-          </a:p>
-          <a:p>
-            <a:r>
-              <a:rPr lang="en-US" altLang="zh-CN" sz="1100" dirty="0"/>
-              <a:t>1</a:t>
-            </a:r>
-            <a:r>
-              <a:rPr lang="zh-CN" altLang="en-US" sz="1100" dirty="0"/>
-              <a:t>、根据用户地理位置，将同城的油站，按地理位置近到远排序，仅展示同城</a:t>
-            </a:r>
-            <a:endParaRPr lang="en-US" altLang="zh-CN" sz="1100" dirty="0"/>
-          </a:p>
-          <a:p>
-            <a:r>
-              <a:rPr lang="en-US" altLang="zh-CN" sz="1100" dirty="0"/>
-              <a:t>2</a:t>
-            </a:r>
-            <a:r>
-              <a:rPr lang="zh-CN" altLang="en-US" sz="1100" dirty="0"/>
-              <a:t>、查看所有油站，展示完整的油站列表</a:t>
-            </a:r>
-            <a:endParaRPr lang="en-US" altLang="zh-CN" sz="1100" dirty="0"/>
-          </a:p>
-          <a:p>
-            <a:r>
-              <a:rPr lang="en-US" altLang="zh-CN" sz="1100" dirty="0"/>
-              <a:t>3</a:t>
-            </a:r>
-            <a:r>
-              <a:rPr lang="zh-CN" altLang="en-US" sz="1100" dirty="0"/>
-              <a:t>、可在地图上查看油站</a:t>
-            </a:r>
-            <a:endParaRPr lang="en-US" altLang="zh-CN" sz="1100" dirty="0"/>
-          </a:p>
-          <a:p>
-            <a:endParaRPr lang="en-US" altLang="zh-CN" sz="1100" dirty="0"/>
-          </a:p>
-        </p:txBody>
-      </p:sp>
-      <p:sp>
-        <p:nvSpPr>
-          <p:cNvPr id="3" name="标题 2">
-            <a:extLst>
-              <a:ext uri="{FF2B5EF4-FFF2-40B4-BE49-F238E27FC236}">
-                <a16:creationId xmlns:a16="http://schemas.microsoft.com/office/drawing/2014/main" id="{0FEE4CCC-9C27-486F-9402-B57E3D606EB5}"/>
-              </a:ext>
-            </a:extLst>
-          </p:cNvPr>
-          <p:cNvSpPr>
-            <a:spLocks noGrp="1"/>
-          </p:cNvSpPr>
-          <p:nvPr>
-            <p:ph type="title"/>
-          </p:nvPr>
-        </p:nvSpPr>
-        <p:spPr/>
-        <p:txBody>
-          <a:bodyPr/>
-          <a:lstStyle/>
-          <a:p>
-            <a:r>
-              <a:rPr lang="en-US" altLang="zh-CN" dirty="0"/>
-              <a:t>&lt; </a:t>
-            </a:r>
-            <a:r>
-              <a:rPr lang="zh-CN" altLang="en-US" dirty="0"/>
-              <a:t>领取挪车码</a:t>
-            </a:r>
-          </a:p>
-        </p:txBody>
-      </p:sp>
-      <p:sp>
-        <p:nvSpPr>
-          <p:cNvPr id="20" name="矩形 19">
-            <a:extLst>
-              <a:ext uri="{FF2B5EF4-FFF2-40B4-BE49-F238E27FC236}">
-                <a16:creationId xmlns:a16="http://schemas.microsoft.com/office/drawing/2014/main" id="{1ADFA4E0-F46D-4A27-B55E-9B2FA8922DE4}"/>
-              </a:ext>
-            </a:extLst>
-          </p:cNvPr>
-          <p:cNvSpPr/>
-          <p:nvPr/>
-        </p:nvSpPr>
-        <p:spPr>
-          <a:xfrm>
-            <a:off x="920850" y="742122"/>
-            <a:ext cx="3147567" cy="1106551"/>
-          </a:xfrm>
-          <a:prstGeom prst="rect">
-            <a:avLst/>
-          </a:prstGeom>
-          <a:solidFill>
-            <a:schemeClr val="bg1">
-              <a:lumMod val="50000"/>
-            </a:schemeClr>
-          </a:solidFill>
-          <a:ln>
-            <a:noFill/>
-          </a:ln>
-        </p:spPr>
-        <p:style>
-          <a:lnRef idx="2">
-            <a:schemeClr val="accent1">
-              <a:shade val="50000"/>
-            </a:schemeClr>
-          </a:lnRef>
-          <a:fillRef idx="1">
-            <a:schemeClr val="accent1"/>
-          </a:fillRef>
-          <a:effectRef idx="0">
-            <a:schemeClr val="accent1"/>
-          </a:effectRef>
-          <a:fontRef idx="minor">
-            <a:schemeClr val="lt1"/>
-          </a:fontRef>
-        </p:style>
-        <p:txBody>
-          <a:bodyPr rtlCol="0" anchor="ctr"/>
-          <a:lstStyle/>
-          <a:p>
-            <a:pPr algn="ctr"/>
-            <a:r>
-              <a:rPr lang="zh-CN" altLang="en-US" dirty="0">
-                <a:latin typeface="微软雅黑" panose="020B0503020204020204" pitchFamily="34" charset="-122"/>
-                <a:ea typeface="微软雅黑" panose="020B0503020204020204" pitchFamily="34" charset="-122"/>
-              </a:rPr>
-              <a:t>图片展示实物卡</a:t>
-            </a:r>
-          </a:p>
-        </p:txBody>
-      </p:sp>
-      <p:sp>
-        <p:nvSpPr>
-          <p:cNvPr id="38" name="文本框 37">
-            <a:extLst>
-              <a:ext uri="{FF2B5EF4-FFF2-40B4-BE49-F238E27FC236}">
-                <a16:creationId xmlns:a16="http://schemas.microsoft.com/office/drawing/2014/main" id="{57B436BD-161D-408B-98C5-E7C104FCE28B}"/>
-              </a:ext>
-            </a:extLst>
-          </p:cNvPr>
-          <p:cNvSpPr txBox="1"/>
-          <p:nvPr/>
-        </p:nvSpPr>
-        <p:spPr>
-          <a:xfrm>
-            <a:off x="868421" y="1827093"/>
-            <a:ext cx="2967729" cy="461665"/>
-          </a:xfrm>
-          <a:prstGeom prst="rect">
-            <a:avLst/>
-          </a:prstGeom>
-          <a:noFill/>
-        </p:spPr>
-        <p:txBody>
-          <a:bodyPr wrap="square" rtlCol="0">
-            <a:spAutoFit/>
-          </a:bodyPr>
-          <a:lstStyle/>
-          <a:p>
-            <a:r>
-              <a:rPr lang="zh-CN" altLang="en-US" sz="800" dirty="0">
-                <a:solidFill>
-                  <a:schemeClr val="bg1">
-                    <a:lumMod val="75000"/>
-                  </a:schemeClr>
-                </a:solidFill>
-                <a:latin typeface="微软雅黑" panose="020B0503020204020204" pitchFamily="34" charset="-122"/>
-                <a:ea typeface="微软雅黑" panose="020B0503020204020204" pitchFamily="34" charset="-122"/>
-              </a:rPr>
-              <a:t>物料包含：</a:t>
-            </a:r>
-            <a:endParaRPr lang="en-US" altLang="zh-CN" sz="800" dirty="0">
-              <a:solidFill>
-                <a:schemeClr val="bg1">
-                  <a:lumMod val="75000"/>
-                </a:schemeClr>
-              </a:solidFill>
-              <a:latin typeface="微软雅黑" panose="020B0503020204020204" pitchFamily="34" charset="-122"/>
-              <a:ea typeface="微软雅黑" panose="020B0503020204020204" pitchFamily="34" charset="-122"/>
-            </a:endParaRPr>
-          </a:p>
-          <a:p>
-            <a:r>
-              <a:rPr lang="en-US" altLang="zh-CN" sz="800" dirty="0">
-                <a:solidFill>
-                  <a:schemeClr val="bg1">
-                    <a:lumMod val="75000"/>
-                  </a:schemeClr>
-                </a:solidFill>
-                <a:latin typeface="微软雅黑" panose="020B0503020204020204" pitchFamily="34" charset="-122"/>
-                <a:ea typeface="微软雅黑" panose="020B0503020204020204" pitchFamily="34" charset="-122"/>
-              </a:rPr>
-              <a:t>PVC</a:t>
-            </a:r>
-            <a:r>
-              <a:rPr lang="zh-CN" altLang="en-US" sz="800" dirty="0">
-                <a:solidFill>
-                  <a:schemeClr val="bg1">
-                    <a:lumMod val="75000"/>
-                  </a:schemeClr>
-                </a:solidFill>
-                <a:latin typeface="微软雅黑" panose="020B0503020204020204" pitchFamily="34" charset="-122"/>
-                <a:ea typeface="微软雅黑" panose="020B0503020204020204" pitchFamily="34" charset="-122"/>
-              </a:rPr>
-              <a:t>卡一张（</a:t>
-            </a:r>
-            <a:r>
-              <a:rPr lang="en-US" altLang="zh-CN" sz="800" dirty="0">
-                <a:solidFill>
-                  <a:schemeClr val="bg1">
-                    <a:lumMod val="75000"/>
-                  </a:schemeClr>
-                </a:solidFill>
-                <a:latin typeface="微软雅黑" panose="020B0503020204020204" pitchFamily="34" charset="-122"/>
-                <a:ea typeface="微软雅黑" panose="020B0503020204020204" pitchFamily="34" charset="-122"/>
-              </a:rPr>
-              <a:t>300mm x 120mm</a:t>
-            </a:r>
-            <a:r>
-              <a:rPr lang="zh-CN" altLang="en-US" sz="800" dirty="0">
-                <a:solidFill>
-                  <a:schemeClr val="bg1">
-                    <a:lumMod val="75000"/>
-                  </a:schemeClr>
-                </a:solidFill>
-                <a:latin typeface="微软雅黑" panose="020B0503020204020204" pitchFamily="34" charset="-122"/>
-                <a:ea typeface="微软雅黑" panose="020B0503020204020204" pitchFamily="34" charset="-122"/>
-              </a:rPr>
-              <a:t>）</a:t>
-            </a:r>
-            <a:endParaRPr lang="en-US" altLang="zh-CN" sz="800" dirty="0">
-              <a:solidFill>
-                <a:schemeClr val="bg1">
-                  <a:lumMod val="75000"/>
-                </a:schemeClr>
-              </a:solidFill>
-              <a:latin typeface="微软雅黑" panose="020B0503020204020204" pitchFamily="34" charset="-122"/>
-              <a:ea typeface="微软雅黑" panose="020B0503020204020204" pitchFamily="34" charset="-122"/>
-            </a:endParaRPr>
-          </a:p>
-          <a:p>
-            <a:r>
-              <a:rPr lang="zh-CN" altLang="en-US" sz="800" dirty="0">
-                <a:solidFill>
-                  <a:schemeClr val="bg1">
-                    <a:lumMod val="75000"/>
-                  </a:schemeClr>
-                </a:solidFill>
-                <a:latin typeface="微软雅黑" panose="020B0503020204020204" pitchFamily="34" charset="-122"/>
-                <a:ea typeface="微软雅黑" panose="020B0503020204020204" pitchFamily="34" charset="-122"/>
-              </a:rPr>
-              <a:t>静电贴一张（</a:t>
-            </a:r>
-            <a:r>
-              <a:rPr lang="en-US" altLang="zh-CN" sz="800" dirty="0">
-                <a:solidFill>
-                  <a:schemeClr val="bg1">
-                    <a:lumMod val="75000"/>
-                  </a:schemeClr>
-                </a:solidFill>
-                <a:latin typeface="微软雅黑" panose="020B0503020204020204" pitchFamily="34" charset="-122"/>
-                <a:ea typeface="微软雅黑" panose="020B0503020204020204" pitchFamily="34" charset="-122"/>
-              </a:rPr>
-              <a:t>150mm x 150mm</a:t>
-            </a:r>
-            <a:r>
-              <a:rPr lang="zh-CN" altLang="en-US" sz="800" dirty="0">
-                <a:solidFill>
-                  <a:schemeClr val="bg1">
-                    <a:lumMod val="75000"/>
-                  </a:schemeClr>
-                </a:solidFill>
-                <a:latin typeface="微软雅黑" panose="020B0503020204020204" pitchFamily="34" charset="-122"/>
-                <a:ea typeface="微软雅黑" panose="020B0503020204020204" pitchFamily="34" charset="-122"/>
-              </a:rPr>
-              <a:t>）</a:t>
-            </a:r>
-          </a:p>
-        </p:txBody>
-      </p:sp>
-      <p:sp>
-        <p:nvSpPr>
-          <p:cNvPr id="21" name="矩形 20">
-            <a:extLst>
-              <a:ext uri="{FF2B5EF4-FFF2-40B4-BE49-F238E27FC236}">
-                <a16:creationId xmlns:a16="http://schemas.microsoft.com/office/drawing/2014/main" id="{582A5127-6D03-4AB5-851C-8E60A674A80F}"/>
-              </a:ext>
-            </a:extLst>
-          </p:cNvPr>
-          <p:cNvSpPr/>
-          <p:nvPr/>
-        </p:nvSpPr>
-        <p:spPr>
-          <a:xfrm>
-            <a:off x="942906" y="6016487"/>
-            <a:ext cx="3194125" cy="382537"/>
-          </a:xfrm>
-          <a:prstGeom prst="rect">
-            <a:avLst/>
-          </a:prstGeom>
-          <a:solidFill>
-            <a:schemeClr val="bg1"/>
-          </a:solidFill>
-          <a:ln>
-            <a:noFill/>
-          </a:ln>
-        </p:spPr>
-        <p:style>
-          <a:lnRef idx="2">
-            <a:schemeClr val="accent1">
-              <a:shade val="50000"/>
-            </a:schemeClr>
-          </a:lnRef>
-          <a:fillRef idx="1">
-            <a:schemeClr val="accent1"/>
-          </a:fillRef>
-          <a:effectRef idx="0">
-            <a:schemeClr val="accent1"/>
-          </a:effectRef>
-          <a:fontRef idx="minor">
-            <a:schemeClr val="lt1"/>
-          </a:fontRef>
-        </p:style>
-        <p:txBody>
-          <a:bodyPr rtlCol="0" anchor="ctr"/>
-          <a:lstStyle/>
-          <a:p>
-            <a:pPr algn="ctr"/>
-            <a:endParaRPr lang="zh-CN" altLang="en-US"/>
-          </a:p>
-        </p:txBody>
-      </p:sp>
-      <p:sp>
-        <p:nvSpPr>
-          <p:cNvPr id="22" name="文本框 21">
-            <a:extLst>
-              <a:ext uri="{FF2B5EF4-FFF2-40B4-BE49-F238E27FC236}">
-                <a16:creationId xmlns:a16="http://schemas.microsoft.com/office/drawing/2014/main" id="{EAD7BC33-36EA-437A-A117-AEF5E609195B}"/>
-              </a:ext>
-            </a:extLst>
-          </p:cNvPr>
-          <p:cNvSpPr txBox="1"/>
-          <p:nvPr/>
-        </p:nvSpPr>
-        <p:spPr>
-          <a:xfrm>
-            <a:off x="1048006" y="6102626"/>
-            <a:ext cx="1591704" cy="215444"/>
-          </a:xfrm>
-          <a:prstGeom prst="rect">
-            <a:avLst/>
-          </a:prstGeom>
-          <a:noFill/>
-        </p:spPr>
-        <p:txBody>
-          <a:bodyPr wrap="square" rtlCol="0">
-            <a:spAutoFit/>
-          </a:bodyPr>
-          <a:lstStyle/>
-          <a:p>
-            <a:r>
-              <a:rPr lang="zh-CN" altLang="en-US" sz="800" dirty="0">
-                <a:solidFill>
-                  <a:schemeClr val="bg1">
-                    <a:lumMod val="65000"/>
-                  </a:schemeClr>
-                </a:solidFill>
-                <a:latin typeface="微软雅黑" panose="020B0503020204020204" pitchFamily="34" charset="-122"/>
-                <a:ea typeface="微软雅黑" panose="020B0503020204020204" pitchFamily="34" charset="-122"/>
-              </a:rPr>
-              <a:t>请确认离您最近的油站</a:t>
-            </a:r>
-          </a:p>
-        </p:txBody>
-      </p:sp>
-      <p:sp>
-        <p:nvSpPr>
-          <p:cNvPr id="60" name="矩形: 圆角 59">
-            <a:hlinkClick r:id="" action="ppaction://noaction"/>
-            <a:extLst>
-              <a:ext uri="{FF2B5EF4-FFF2-40B4-BE49-F238E27FC236}">
-                <a16:creationId xmlns:a16="http://schemas.microsoft.com/office/drawing/2014/main" id="{A33AF8AB-C296-4F71-9CE8-9B01D521A368}"/>
-              </a:ext>
-            </a:extLst>
-          </p:cNvPr>
-          <p:cNvSpPr/>
-          <p:nvPr/>
-        </p:nvSpPr>
-        <p:spPr>
-          <a:xfrm>
-            <a:off x="3116439" y="6021038"/>
-            <a:ext cx="1020592" cy="367886"/>
-          </a:xfrm>
-          <a:prstGeom prst="roundRect">
-            <a:avLst>
-              <a:gd name="adj" fmla="val 6455"/>
-            </a:avLst>
-          </a:prstGeom>
-          <a:solidFill>
-            <a:srgbClr val="09BB07"/>
-          </a:solidFill>
-          <a:ln>
-            <a:noFill/>
-          </a:ln>
-        </p:spPr>
-        <p:style>
-          <a:lnRef idx="2">
-            <a:schemeClr val="accent1">
-              <a:shade val="50000"/>
-            </a:schemeClr>
-          </a:lnRef>
-          <a:fillRef idx="1">
-            <a:schemeClr val="accent1"/>
-          </a:fillRef>
-          <a:effectRef idx="0">
-            <a:schemeClr val="accent1"/>
-          </a:effectRef>
-          <a:fontRef idx="minor">
-            <a:schemeClr val="lt1"/>
-          </a:fontRef>
-        </p:style>
-        <p:txBody>
-          <a:bodyPr rtlCol="0" anchor="ctr"/>
-          <a:lstStyle/>
-          <a:p>
-            <a:pPr algn="ctr"/>
-            <a:r>
-              <a:rPr lang="zh-CN" altLang="en-US" sz="1050" dirty="0">
-                <a:latin typeface="微软雅黑" panose="020B0503020204020204" pitchFamily="34" charset="-122"/>
-                <a:ea typeface="微软雅黑" panose="020B0503020204020204" pitchFamily="34" charset="-122"/>
-              </a:rPr>
-              <a:t>确认</a:t>
-            </a:r>
-          </a:p>
-        </p:txBody>
-      </p:sp>
-      <p:grpSp>
-        <p:nvGrpSpPr>
-          <p:cNvPr id="4" name="组合 3">
-            <a:extLst>
-              <a:ext uri="{FF2B5EF4-FFF2-40B4-BE49-F238E27FC236}">
-                <a16:creationId xmlns:a16="http://schemas.microsoft.com/office/drawing/2014/main" id="{5641295D-6D0A-4E9B-8E32-F5E4656309F7}"/>
-              </a:ext>
-            </a:extLst>
-          </p:cNvPr>
-          <p:cNvGrpSpPr/>
-          <p:nvPr/>
-        </p:nvGrpSpPr>
-        <p:grpSpPr>
-          <a:xfrm>
-            <a:off x="1257627" y="2374897"/>
-            <a:ext cx="2474012" cy="261610"/>
-            <a:chOff x="1265120" y="2570094"/>
-            <a:chExt cx="2474012" cy="261610"/>
-          </a:xfrm>
-        </p:grpSpPr>
-        <p:grpSp>
-          <p:nvGrpSpPr>
-            <p:cNvPr id="27" name="组合 26">
-              <a:extLst>
-                <a:ext uri="{FF2B5EF4-FFF2-40B4-BE49-F238E27FC236}">
-                  <a16:creationId xmlns:a16="http://schemas.microsoft.com/office/drawing/2014/main" id="{454227A9-CFCE-4963-B524-CFD318E57DBC}"/>
-                </a:ext>
-              </a:extLst>
-            </p:cNvPr>
-            <p:cNvGrpSpPr/>
-            <p:nvPr/>
-          </p:nvGrpSpPr>
-          <p:grpSpPr>
-            <a:xfrm>
-              <a:off x="1265120" y="2573941"/>
-              <a:ext cx="1157475" cy="253916"/>
-              <a:chOff x="293745" y="995506"/>
-              <a:chExt cx="1133886" cy="253916"/>
-            </a:xfrm>
-          </p:grpSpPr>
-          <p:grpSp>
-            <p:nvGrpSpPr>
-              <p:cNvPr id="28" name="组合 27">
-                <a:extLst>
-                  <a:ext uri="{FF2B5EF4-FFF2-40B4-BE49-F238E27FC236}">
-                    <a16:creationId xmlns:a16="http://schemas.microsoft.com/office/drawing/2014/main" id="{52A01351-C5FF-4A3D-8E2F-CEFF43C09646}"/>
-                  </a:ext>
-                </a:extLst>
-              </p:cNvPr>
-              <p:cNvGrpSpPr/>
-              <p:nvPr/>
-            </p:nvGrpSpPr>
-            <p:grpSpPr>
-              <a:xfrm>
-                <a:off x="293745" y="1028456"/>
-                <a:ext cx="195708" cy="195708"/>
-                <a:chOff x="293745" y="1028456"/>
-                <a:chExt cx="195708" cy="195708"/>
-              </a:xfrm>
-            </p:grpSpPr>
-            <p:sp>
-              <p:nvSpPr>
-                <p:cNvPr id="31" name="椭圆 30">
-                  <a:extLst>
-                    <a:ext uri="{FF2B5EF4-FFF2-40B4-BE49-F238E27FC236}">
-                      <a16:creationId xmlns:a16="http://schemas.microsoft.com/office/drawing/2014/main" id="{B73EA5B8-653B-4D29-ACDE-DB740747D86A}"/>
-                    </a:ext>
-                  </a:extLst>
-                </p:cNvPr>
-                <p:cNvSpPr/>
-                <p:nvPr/>
-              </p:nvSpPr>
-              <p:spPr>
-                <a:xfrm>
-                  <a:off x="293745" y="1028456"/>
-                  <a:ext cx="195708" cy="195708"/>
-                </a:xfrm>
-                <a:prstGeom prst="ellipse">
-                  <a:avLst/>
-                </a:prstGeom>
-                <a:solidFill>
-                  <a:srgbClr val="09BB07"/>
-                </a:solidFill>
-                <a:ln>
-                  <a:noFill/>
-                </a:ln>
-              </p:spPr>
-              <p:style>
-                <a:lnRef idx="2">
-                  <a:schemeClr val="accent1">
-                    <a:shade val="50000"/>
-                  </a:schemeClr>
-                </a:lnRef>
-                <a:fillRef idx="1">
-                  <a:schemeClr val="accent1"/>
-                </a:fillRef>
-                <a:effectRef idx="0">
-                  <a:schemeClr val="accent1"/>
-                </a:effectRef>
-                <a:fontRef idx="minor">
-                  <a:schemeClr val="lt1"/>
-                </a:fontRef>
-              </p:style>
-              <p:txBody>
-                <a:bodyPr rtlCol="0" anchor="ctr"/>
-                <a:lstStyle/>
-                <a:p>
-                  <a:pPr algn="l">
-                    <a:lnSpc>
-                      <a:spcPct val="150000"/>
-                    </a:lnSpc>
-                  </a:pPr>
-                  <a:endParaRPr lang="zh-CN" altLang="en-US" sz="1000" dirty="0">
-                    <a:solidFill>
-                      <a:schemeClr val="tx1"/>
-                    </a:solidFill>
-                    <a:latin typeface="微软雅黑" panose="020B0503020204020204" pitchFamily="34" charset="-122"/>
-                    <a:ea typeface="微软雅黑" panose="020B0503020204020204" pitchFamily="34" charset="-122"/>
-                  </a:endParaRPr>
-                </a:p>
-              </p:txBody>
-            </p:sp>
-            <p:pic>
-              <p:nvPicPr>
-                <p:cNvPr id="36" name="图片 35">
-                  <a:extLst>
-                    <a:ext uri="{FF2B5EF4-FFF2-40B4-BE49-F238E27FC236}">
-                      <a16:creationId xmlns:a16="http://schemas.microsoft.com/office/drawing/2014/main" id="{EF76F31E-6079-4D79-9625-739C0E468C41}"/>
-                    </a:ext>
-                  </a:extLst>
-                </p:cNvPr>
-                <p:cNvPicPr>
-                  <a:picLocks noChangeAspect="1"/>
-                </p:cNvPicPr>
-                <p:nvPr/>
-              </p:nvPicPr>
-              <p:blipFill rotWithShape="1">
-                <a:blip r:embed="rId2">
-                  <a:biLevel thresh="25000"/>
-                  <a:extLst>
-                    <a:ext uri="{BEBA8EAE-BF5A-486C-A8C5-ECC9F3942E4B}">
-                      <a14:imgProps xmlns:a14="http://schemas.microsoft.com/office/drawing/2010/main">
-                        <a14:imgLayer r:embed="rId3">
-                          <a14:imgEffect>
-                            <a14:backgroundRemoval t="30028" b="76089" l="47246" r="52197"/>
-                          </a14:imgEffect>
-                        </a14:imgLayer>
-                      </a14:imgProps>
-                    </a:ext>
-                  </a:extLst>
-                </a:blip>
-                <a:srcRect l="46627" t="24271" r="47184" b="18153"/>
-                <a:stretch/>
-              </p:blipFill>
-              <p:spPr>
-                <a:xfrm>
-                  <a:off x="325552" y="1061785"/>
-                  <a:ext cx="120433" cy="124896"/>
-                </a:xfrm>
-                <a:prstGeom prst="rect">
-                  <a:avLst/>
-                </a:prstGeom>
-              </p:spPr>
-            </p:pic>
-          </p:grpSp>
-          <p:sp>
-            <p:nvSpPr>
-              <p:cNvPr id="29" name="文本框 28">
-                <a:extLst>
-                  <a:ext uri="{FF2B5EF4-FFF2-40B4-BE49-F238E27FC236}">
-                    <a16:creationId xmlns:a16="http://schemas.microsoft.com/office/drawing/2014/main" id="{C416801E-60CB-4E36-8171-98B5D420FA60}"/>
-                  </a:ext>
-                </a:extLst>
-              </p:cNvPr>
-              <p:cNvSpPr txBox="1"/>
-              <p:nvPr/>
-            </p:nvSpPr>
-            <p:spPr>
-              <a:xfrm>
-                <a:off x="594732" y="995506"/>
-                <a:ext cx="832899" cy="253916"/>
-              </a:xfrm>
-              <a:prstGeom prst="rect">
-                <a:avLst/>
-              </a:prstGeom>
-              <a:noFill/>
-            </p:spPr>
-            <p:txBody>
-              <a:bodyPr wrap="square" rtlCol="0">
-                <a:spAutoFit/>
-              </a:bodyPr>
-              <a:lstStyle/>
-              <a:p>
-                <a:pPr algn="l"/>
-                <a:r>
-                  <a:rPr lang="zh-CN" altLang="en-US" sz="1050" dirty="0">
-                    <a:latin typeface="微软雅黑" panose="020B0503020204020204" pitchFamily="34" charset="-122"/>
-                    <a:ea typeface="微软雅黑" panose="020B0503020204020204" pitchFamily="34" charset="-122"/>
-                  </a:rPr>
-                  <a:t>油站领取</a:t>
-                </a:r>
-              </a:p>
-            </p:txBody>
-          </p:sp>
-        </p:grpSp>
-        <p:grpSp>
-          <p:nvGrpSpPr>
-            <p:cNvPr id="37" name="组合 36">
-              <a:extLst>
-                <a:ext uri="{FF2B5EF4-FFF2-40B4-BE49-F238E27FC236}">
-                  <a16:creationId xmlns:a16="http://schemas.microsoft.com/office/drawing/2014/main" id="{C8C934E8-E31D-40CA-8DE1-483D80F7221D}"/>
-                </a:ext>
-              </a:extLst>
-            </p:cNvPr>
-            <p:cNvGrpSpPr/>
-            <p:nvPr/>
-          </p:nvGrpSpPr>
-          <p:grpSpPr>
-            <a:xfrm>
-              <a:off x="2530575" y="2570094"/>
-              <a:ext cx="1208557" cy="261610"/>
-              <a:chOff x="293745" y="1515976"/>
-              <a:chExt cx="1208557" cy="261610"/>
-            </a:xfrm>
-          </p:grpSpPr>
-          <p:sp>
-            <p:nvSpPr>
-              <p:cNvPr id="57" name="椭圆 56">
-                <a:extLst>
-                  <a:ext uri="{FF2B5EF4-FFF2-40B4-BE49-F238E27FC236}">
-                    <a16:creationId xmlns:a16="http://schemas.microsoft.com/office/drawing/2014/main" id="{50BEEB01-6337-40CE-A72D-BA052D86997F}"/>
-                  </a:ext>
-                </a:extLst>
-              </p:cNvPr>
-              <p:cNvSpPr/>
-              <p:nvPr/>
-            </p:nvSpPr>
-            <p:spPr>
-              <a:xfrm>
-                <a:off x="293745" y="1549567"/>
-                <a:ext cx="195708" cy="195708"/>
-              </a:xfrm>
-              <a:prstGeom prst="ellipse">
-                <a:avLst/>
-              </a:prstGeom>
-              <a:noFill/>
-              <a:ln>
-                <a:solidFill>
-                  <a:srgbClr val="CACACA"/>
-                </a:solidFill>
-              </a:ln>
-            </p:spPr>
-            <p:style>
-              <a:lnRef idx="2">
-                <a:schemeClr val="accent1">
-                  <a:shade val="50000"/>
-                </a:schemeClr>
-              </a:lnRef>
-              <a:fillRef idx="1">
-                <a:schemeClr val="accent1"/>
-              </a:fillRef>
-              <a:effectRef idx="0">
-                <a:schemeClr val="accent1"/>
-              </a:effectRef>
-              <a:fontRef idx="minor">
-                <a:schemeClr val="lt1"/>
-              </a:fontRef>
-            </p:style>
-            <p:txBody>
-              <a:bodyPr rtlCol="0" anchor="ctr"/>
-              <a:lstStyle/>
-              <a:p>
-                <a:pPr algn="l">
-                  <a:lnSpc>
-                    <a:spcPct val="150000"/>
-                  </a:lnSpc>
-                </a:pPr>
-                <a:endParaRPr lang="zh-CN" altLang="en-US" sz="1000" dirty="0">
-                  <a:solidFill>
-                    <a:schemeClr val="tx1"/>
-                  </a:solidFill>
-                  <a:latin typeface="微软雅黑" panose="020B0503020204020204" pitchFamily="34" charset="-122"/>
-                  <a:ea typeface="微软雅黑" panose="020B0503020204020204" pitchFamily="34" charset="-122"/>
-                </a:endParaRPr>
-              </a:p>
-            </p:txBody>
-          </p:sp>
-          <p:sp>
-            <p:nvSpPr>
-              <p:cNvPr id="51" name="文本框 50">
-                <a:extLst>
-                  <a:ext uri="{FF2B5EF4-FFF2-40B4-BE49-F238E27FC236}">
-                    <a16:creationId xmlns:a16="http://schemas.microsoft.com/office/drawing/2014/main" id="{6459D79E-94B0-4DE1-AB5D-F9CB0DF5EE69}"/>
-                  </a:ext>
-                </a:extLst>
-              </p:cNvPr>
-              <p:cNvSpPr txBox="1"/>
-              <p:nvPr/>
-            </p:nvSpPr>
-            <p:spPr>
-              <a:xfrm>
-                <a:off x="650489" y="1515976"/>
-                <a:ext cx="851813" cy="261610"/>
-              </a:xfrm>
-              <a:prstGeom prst="rect">
-                <a:avLst/>
-              </a:prstGeom>
-              <a:noFill/>
-            </p:spPr>
-            <p:txBody>
-              <a:bodyPr wrap="square" rtlCol="0">
-                <a:spAutoFit/>
-              </a:bodyPr>
-              <a:lstStyle/>
-              <a:p>
-                <a:pPr algn="l"/>
-                <a:r>
-                  <a:rPr lang="zh-CN" altLang="en-US" sz="1050" dirty="0">
-                    <a:latin typeface="微软雅黑" panose="020B0503020204020204" pitchFamily="34" charset="-122"/>
-                    <a:ea typeface="微软雅黑" panose="020B0503020204020204" pitchFamily="34" charset="-122"/>
-                  </a:rPr>
-                  <a:t>自寄地址</a:t>
-                </a:r>
-              </a:p>
-            </p:txBody>
-          </p:sp>
-        </p:grpSp>
-      </p:grpSp>
-      <p:pic>
-        <p:nvPicPr>
-          <p:cNvPr id="7" name="图片 6">
-            <a:extLst>
-              <a:ext uri="{FF2B5EF4-FFF2-40B4-BE49-F238E27FC236}">
-                <a16:creationId xmlns:a16="http://schemas.microsoft.com/office/drawing/2014/main" id="{77BE35E7-C431-4905-893F-F7FAE3BEF392}"/>
-              </a:ext>
-            </a:extLst>
-          </p:cNvPr>
-          <p:cNvPicPr>
-            <a:picLocks noChangeAspect="1"/>
-          </p:cNvPicPr>
-          <p:nvPr/>
-        </p:nvPicPr>
-        <p:blipFill rotWithShape="1">
-          <a:blip r:embed="rId4">
-            <a:extLst>
-              <a:ext uri="{28A0092B-C50C-407E-A947-70E740481C1C}">
-                <a14:useLocalDpi xmlns:a14="http://schemas.microsoft.com/office/drawing/2010/main" val="0"/>
-              </a:ext>
-            </a:extLst>
-          </a:blip>
-          <a:srcRect t="14827" b="36232"/>
-          <a:stretch/>
-        </p:blipFill>
-        <p:spPr>
-          <a:xfrm>
-            <a:off x="920850" y="2640731"/>
-            <a:ext cx="3171178" cy="3190225"/>
-          </a:xfrm>
-          <a:prstGeom prst="rect">
-            <a:avLst/>
-          </a:prstGeom>
-        </p:spPr>
-      </p:pic>
-      <p:sp>
-        <p:nvSpPr>
-          <p:cNvPr id="8" name="椭圆 7">
-            <a:hlinkClick r:id="rId5" action="ppaction://hlinksldjump"/>
-            <a:extLst>
-              <a:ext uri="{FF2B5EF4-FFF2-40B4-BE49-F238E27FC236}">
-                <a16:creationId xmlns:a16="http://schemas.microsoft.com/office/drawing/2014/main" id="{33B05E48-D2B8-45A8-BEBE-1541C4C219A6}"/>
-              </a:ext>
-            </a:extLst>
-          </p:cNvPr>
-          <p:cNvSpPr/>
-          <p:nvPr/>
-        </p:nvSpPr>
-        <p:spPr>
-          <a:xfrm>
-            <a:off x="2944161" y="4552503"/>
-            <a:ext cx="281107" cy="281107"/>
-          </a:xfrm>
-          <a:prstGeom prst="ellipse">
-            <a:avLst/>
-          </a:prstGeom>
-          <a:solidFill>
-            <a:schemeClr val="bg1">
-              <a:alpha val="0"/>
-            </a:schemeClr>
-          </a:solidFill>
-          <a:ln>
-            <a:noFill/>
-          </a:ln>
-        </p:spPr>
-        <p:style>
-          <a:lnRef idx="2">
-            <a:schemeClr val="accent1">
-              <a:shade val="50000"/>
-            </a:schemeClr>
-          </a:lnRef>
-          <a:fillRef idx="1">
-            <a:schemeClr val="accent1"/>
-          </a:fillRef>
-          <a:effectRef idx="0">
-            <a:schemeClr val="accent1"/>
-          </a:effectRef>
-          <a:fontRef idx="minor">
-            <a:schemeClr val="lt1"/>
-          </a:fontRef>
-        </p:style>
-        <p:txBody>
-          <a:bodyPr rtlCol="0" anchor="ctr"/>
-          <a:lstStyle/>
-          <a:p>
-            <a:pPr algn="ctr"/>
-            <a:endParaRPr lang="zh-CN" altLang="en-US" dirty="0"/>
-          </a:p>
-        </p:txBody>
-      </p:sp>
-      <p:sp>
-        <p:nvSpPr>
-          <p:cNvPr id="113" name="文本框 112">
-            <a:hlinkClick r:id="rId6" action="ppaction://hlinksldjump"/>
-            <a:extLst>
-              <a:ext uri="{FF2B5EF4-FFF2-40B4-BE49-F238E27FC236}">
-                <a16:creationId xmlns:a16="http://schemas.microsoft.com/office/drawing/2014/main" id="{39650B81-65D8-402C-9EB2-5FD303264A04}"/>
-              </a:ext>
-            </a:extLst>
-          </p:cNvPr>
-          <p:cNvSpPr txBox="1"/>
-          <p:nvPr/>
-        </p:nvSpPr>
-        <p:spPr>
-          <a:xfrm>
-            <a:off x="3008713" y="5786712"/>
-            <a:ext cx="1081785" cy="246221"/>
-          </a:xfrm>
-          <a:prstGeom prst="rect">
-            <a:avLst/>
-          </a:prstGeom>
-          <a:noFill/>
-        </p:spPr>
-        <p:txBody>
-          <a:bodyPr wrap="square" rtlCol="0">
-            <a:spAutoFit/>
-          </a:bodyPr>
-          <a:lstStyle/>
-          <a:p>
-            <a:pPr algn="r"/>
-            <a:r>
-              <a:rPr lang="zh-CN" altLang="en-US" sz="1000" dirty="0">
-                <a:solidFill>
-                  <a:schemeClr val="bg1">
-                    <a:lumMod val="65000"/>
-                  </a:schemeClr>
-                </a:solidFill>
-                <a:latin typeface="微软雅黑" panose="020B0503020204020204" pitchFamily="34" charset="-122"/>
-                <a:ea typeface="微软雅黑" panose="020B0503020204020204" pitchFamily="34" charset="-122"/>
-              </a:rPr>
-              <a:t>在列表中选择</a:t>
-            </a:r>
-          </a:p>
-        </p:txBody>
-      </p:sp>
-    </p:spTree>
-    <p:extLst>
-      <p:ext uri="{BB962C8B-B14F-4D97-AF65-F5344CB8AC3E}">
-        <p14:creationId xmlns:p14="http://schemas.microsoft.com/office/powerpoint/2010/main" val="108141644"/>
-      </p:ext>
-    </p:extLst>
-  </p:cSld>
-  <p:clrMapOvr>
-    <a:masterClrMapping/>
-  </p:clrMapOvr>
-</p:sld>
-</file>
-
-<file path=ppt/slides/slide4.xml><?xml version="1.0" encoding="utf-8"?>
-<p:sld xmlns:a="http://schemas.openxmlformats.org/drawingml/2006/main" xmlns:r="http://schemas.openxmlformats.org/officeDocument/2006/relationships" xmlns:p="http://schemas.openxmlformats.org/presentationml/2006/main">
-  <p:cSld>
-    <p:spTree>
-      <p:nvGrpSpPr>
-        <p:cNvPr id="1" name=""/>
-        <p:cNvGrpSpPr/>
-        <p:nvPr/>
-      </p:nvGrpSpPr>
-      <p:grpSpPr>
-        <a:xfrm>
-          <a:off x="0" y="0"/>
-          <a:ext cx="0" cy="0"/>
-          <a:chOff x="0" y="0"/>
-          <a:chExt cx="0" cy="0"/>
-        </a:xfrm>
-      </p:grpSpPr>
-      <p:sp>
-        <p:nvSpPr>
-          <p:cNvPr id="2" name="内容占位符 1">
-            <a:extLst>
-              <a:ext uri="{FF2B5EF4-FFF2-40B4-BE49-F238E27FC236}">
-                <a16:creationId xmlns:a16="http://schemas.microsoft.com/office/drawing/2014/main" id="{F8600D65-D602-42C4-9F8F-BDBEE060A471}"/>
-              </a:ext>
-            </a:extLst>
-          </p:cNvPr>
-          <p:cNvSpPr>
-            <a:spLocks noGrp="1"/>
-          </p:cNvSpPr>
-          <p:nvPr>
-            <p:ph sz="quarter" idx="10"/>
-          </p:nvPr>
-        </p:nvSpPr>
-        <p:spPr/>
-        <p:txBody>
-          <a:bodyPr/>
-          <a:lstStyle/>
-          <a:p>
-            <a:r>
-              <a:rPr lang="zh-CN" altLang="en-US" sz="1100" dirty="0"/>
-              <a:t>油站领取，免费</a:t>
-            </a:r>
-            <a:endParaRPr lang="en-US" altLang="zh-CN" sz="1100" dirty="0"/>
-          </a:p>
-          <a:p>
-            <a:r>
-              <a:rPr lang="zh-CN" altLang="en-US" sz="1100" dirty="0"/>
-              <a:t>自寄地址，收费</a:t>
-            </a:r>
-            <a:endParaRPr lang="en-US" altLang="zh-CN" sz="1100" dirty="0"/>
-          </a:p>
-          <a:p>
-            <a:endParaRPr lang="en-US" altLang="zh-CN" sz="1100" dirty="0"/>
-          </a:p>
-          <a:p>
-            <a:endParaRPr lang="en-US" altLang="zh-CN" sz="1100" dirty="0"/>
-          </a:p>
-          <a:p>
-            <a:endParaRPr lang="en-US" altLang="zh-CN" sz="1100" dirty="0"/>
-          </a:p>
-          <a:p>
-            <a:endParaRPr lang="en-US" altLang="zh-CN" sz="1100" dirty="0"/>
-          </a:p>
-          <a:p>
-            <a:endParaRPr lang="en-US" altLang="zh-CN" sz="1100" dirty="0"/>
-          </a:p>
-          <a:p>
-            <a:endParaRPr lang="en-US" altLang="zh-CN" sz="1100" dirty="0"/>
-          </a:p>
-          <a:p>
-            <a:endParaRPr lang="en-US" altLang="zh-CN" sz="1100" dirty="0"/>
-          </a:p>
-          <a:p>
-            <a:r>
-              <a:rPr lang="zh-CN" altLang="en-US" sz="1100" dirty="0"/>
-              <a:t>油站列表：</a:t>
-            </a:r>
-            <a:endParaRPr lang="en-US" altLang="zh-CN" sz="1100" dirty="0"/>
-          </a:p>
-          <a:p>
-            <a:r>
-              <a:rPr lang="en-US" altLang="zh-CN" sz="1100" dirty="0"/>
-              <a:t>1</a:t>
-            </a:r>
-            <a:r>
-              <a:rPr lang="zh-CN" altLang="en-US" sz="1100" dirty="0"/>
-              <a:t>、根据用户地理位置，将同城的油站，按地理位置近到远排序，仅展示同城</a:t>
-            </a:r>
-            <a:endParaRPr lang="en-US" altLang="zh-CN" sz="1100" dirty="0"/>
-          </a:p>
-          <a:p>
-            <a:r>
-              <a:rPr lang="en-US" altLang="zh-CN" sz="1100" dirty="0"/>
-              <a:t>2</a:t>
-            </a:r>
-            <a:r>
-              <a:rPr lang="zh-CN" altLang="en-US" sz="1100" dirty="0"/>
-              <a:t>、查看所有油站，展示完整的油站列表</a:t>
-            </a:r>
-            <a:endParaRPr lang="en-US" altLang="zh-CN" sz="1100" dirty="0"/>
-          </a:p>
-          <a:p>
-            <a:r>
-              <a:rPr lang="en-US" altLang="zh-CN" sz="1100" dirty="0"/>
-              <a:t>3</a:t>
-            </a:r>
-            <a:r>
-              <a:rPr lang="zh-CN" altLang="en-US" sz="1100" dirty="0"/>
-              <a:t>、可在地图上查看油站</a:t>
-            </a:r>
-            <a:endParaRPr lang="en-US" altLang="zh-CN" sz="1100" dirty="0"/>
-          </a:p>
-          <a:p>
-            <a:endParaRPr lang="en-US" altLang="zh-CN" sz="1100" dirty="0"/>
-          </a:p>
-        </p:txBody>
-      </p:sp>
-      <p:sp>
-        <p:nvSpPr>
-          <p:cNvPr id="3" name="标题 2">
-            <a:extLst>
-              <a:ext uri="{FF2B5EF4-FFF2-40B4-BE49-F238E27FC236}">
-                <a16:creationId xmlns:a16="http://schemas.microsoft.com/office/drawing/2014/main" id="{0FEE4CCC-9C27-486F-9402-B57E3D606EB5}"/>
-              </a:ext>
-            </a:extLst>
-          </p:cNvPr>
-          <p:cNvSpPr>
-            <a:spLocks noGrp="1"/>
-          </p:cNvSpPr>
-          <p:nvPr>
-            <p:ph type="title"/>
-          </p:nvPr>
-        </p:nvSpPr>
-        <p:spPr/>
-        <p:txBody>
-          <a:bodyPr/>
-          <a:lstStyle/>
-          <a:p>
-            <a:r>
-              <a:rPr lang="en-US" altLang="zh-CN" dirty="0"/>
-              <a:t>&lt; </a:t>
-            </a:r>
-            <a:r>
-              <a:rPr lang="zh-CN" altLang="en-US" dirty="0"/>
-              <a:t>领取挪车码</a:t>
-            </a:r>
-          </a:p>
-        </p:txBody>
-      </p:sp>
-      <p:sp>
-        <p:nvSpPr>
-          <p:cNvPr id="20" name="矩形 19">
-            <a:extLst>
-              <a:ext uri="{FF2B5EF4-FFF2-40B4-BE49-F238E27FC236}">
-                <a16:creationId xmlns:a16="http://schemas.microsoft.com/office/drawing/2014/main" id="{1ADFA4E0-F46D-4A27-B55E-9B2FA8922DE4}"/>
-              </a:ext>
-            </a:extLst>
-          </p:cNvPr>
-          <p:cNvSpPr/>
-          <p:nvPr/>
-        </p:nvSpPr>
-        <p:spPr>
-          <a:xfrm>
-            <a:off x="920850" y="742122"/>
-            <a:ext cx="3147567" cy="1106551"/>
-          </a:xfrm>
-          <a:prstGeom prst="rect">
-            <a:avLst/>
-          </a:prstGeom>
-          <a:solidFill>
-            <a:schemeClr val="bg1">
-              <a:lumMod val="50000"/>
-            </a:schemeClr>
-          </a:solidFill>
-          <a:ln>
-            <a:noFill/>
-          </a:ln>
-        </p:spPr>
-        <p:style>
-          <a:lnRef idx="2">
-            <a:schemeClr val="accent1">
-              <a:shade val="50000"/>
-            </a:schemeClr>
-          </a:lnRef>
-          <a:fillRef idx="1">
-            <a:schemeClr val="accent1"/>
-          </a:fillRef>
-          <a:effectRef idx="0">
-            <a:schemeClr val="accent1"/>
-          </a:effectRef>
-          <a:fontRef idx="minor">
-            <a:schemeClr val="lt1"/>
-          </a:fontRef>
-        </p:style>
-        <p:txBody>
-          <a:bodyPr rtlCol="0" anchor="ctr"/>
-          <a:lstStyle/>
-          <a:p>
-            <a:pPr algn="ctr"/>
-            <a:r>
-              <a:rPr lang="zh-CN" altLang="en-US" dirty="0">
-                <a:latin typeface="微软雅黑" panose="020B0503020204020204" pitchFamily="34" charset="-122"/>
-                <a:ea typeface="微软雅黑" panose="020B0503020204020204" pitchFamily="34" charset="-122"/>
-              </a:rPr>
-              <a:t>图片展示实物卡</a:t>
-            </a:r>
-          </a:p>
-        </p:txBody>
-      </p:sp>
-      <p:sp>
-        <p:nvSpPr>
-          <p:cNvPr id="38" name="文本框 37">
-            <a:extLst>
-              <a:ext uri="{FF2B5EF4-FFF2-40B4-BE49-F238E27FC236}">
-                <a16:creationId xmlns:a16="http://schemas.microsoft.com/office/drawing/2014/main" id="{57B436BD-161D-408B-98C5-E7C104FCE28B}"/>
-              </a:ext>
-            </a:extLst>
-          </p:cNvPr>
-          <p:cNvSpPr txBox="1"/>
-          <p:nvPr/>
-        </p:nvSpPr>
-        <p:spPr>
-          <a:xfrm>
-            <a:off x="868421" y="1827093"/>
-            <a:ext cx="2967729" cy="461665"/>
-          </a:xfrm>
-          <a:prstGeom prst="rect">
-            <a:avLst/>
-          </a:prstGeom>
-          <a:noFill/>
-        </p:spPr>
-        <p:txBody>
-          <a:bodyPr wrap="square" rtlCol="0">
-            <a:spAutoFit/>
-          </a:bodyPr>
-          <a:lstStyle/>
-          <a:p>
-            <a:r>
-              <a:rPr lang="zh-CN" altLang="en-US" sz="800" dirty="0">
-                <a:solidFill>
-                  <a:schemeClr val="bg1">
-                    <a:lumMod val="75000"/>
-                  </a:schemeClr>
-                </a:solidFill>
-                <a:latin typeface="微软雅黑" panose="020B0503020204020204" pitchFamily="34" charset="-122"/>
-                <a:ea typeface="微软雅黑" panose="020B0503020204020204" pitchFamily="34" charset="-122"/>
-              </a:rPr>
-              <a:t>物料包含：</a:t>
-            </a:r>
-            <a:endParaRPr lang="en-US" altLang="zh-CN" sz="800" dirty="0">
-              <a:solidFill>
-                <a:schemeClr val="bg1">
-                  <a:lumMod val="75000"/>
-                </a:schemeClr>
-              </a:solidFill>
-              <a:latin typeface="微软雅黑" panose="020B0503020204020204" pitchFamily="34" charset="-122"/>
-              <a:ea typeface="微软雅黑" panose="020B0503020204020204" pitchFamily="34" charset="-122"/>
-            </a:endParaRPr>
-          </a:p>
-          <a:p>
-            <a:r>
-              <a:rPr lang="en-US" altLang="zh-CN" sz="800" dirty="0">
-                <a:solidFill>
-                  <a:schemeClr val="bg1">
-                    <a:lumMod val="75000"/>
-                  </a:schemeClr>
-                </a:solidFill>
-                <a:latin typeface="微软雅黑" panose="020B0503020204020204" pitchFamily="34" charset="-122"/>
-                <a:ea typeface="微软雅黑" panose="020B0503020204020204" pitchFamily="34" charset="-122"/>
-              </a:rPr>
-              <a:t>PVC</a:t>
-            </a:r>
-            <a:r>
-              <a:rPr lang="zh-CN" altLang="en-US" sz="800" dirty="0">
-                <a:solidFill>
-                  <a:schemeClr val="bg1">
-                    <a:lumMod val="75000"/>
-                  </a:schemeClr>
-                </a:solidFill>
-                <a:latin typeface="微软雅黑" panose="020B0503020204020204" pitchFamily="34" charset="-122"/>
-                <a:ea typeface="微软雅黑" panose="020B0503020204020204" pitchFamily="34" charset="-122"/>
-              </a:rPr>
-              <a:t>卡一张（</a:t>
-            </a:r>
-            <a:r>
-              <a:rPr lang="en-US" altLang="zh-CN" sz="800" dirty="0">
-                <a:solidFill>
-                  <a:schemeClr val="bg1">
-                    <a:lumMod val="75000"/>
-                  </a:schemeClr>
-                </a:solidFill>
-                <a:latin typeface="微软雅黑" panose="020B0503020204020204" pitchFamily="34" charset="-122"/>
-                <a:ea typeface="微软雅黑" panose="020B0503020204020204" pitchFamily="34" charset="-122"/>
-              </a:rPr>
-              <a:t>300mm x 120mm</a:t>
-            </a:r>
-            <a:r>
-              <a:rPr lang="zh-CN" altLang="en-US" sz="800" dirty="0">
-                <a:solidFill>
-                  <a:schemeClr val="bg1">
-                    <a:lumMod val="75000"/>
-                  </a:schemeClr>
-                </a:solidFill>
-                <a:latin typeface="微软雅黑" panose="020B0503020204020204" pitchFamily="34" charset="-122"/>
-                <a:ea typeface="微软雅黑" panose="020B0503020204020204" pitchFamily="34" charset="-122"/>
-              </a:rPr>
-              <a:t>）</a:t>
-            </a:r>
-            <a:endParaRPr lang="en-US" altLang="zh-CN" sz="800" dirty="0">
-              <a:solidFill>
-                <a:schemeClr val="bg1">
-                  <a:lumMod val="75000"/>
-                </a:schemeClr>
-              </a:solidFill>
-              <a:latin typeface="微软雅黑" panose="020B0503020204020204" pitchFamily="34" charset="-122"/>
-              <a:ea typeface="微软雅黑" panose="020B0503020204020204" pitchFamily="34" charset="-122"/>
-            </a:endParaRPr>
-          </a:p>
-          <a:p>
-            <a:r>
-              <a:rPr lang="zh-CN" altLang="en-US" sz="800" dirty="0">
-                <a:solidFill>
-                  <a:schemeClr val="bg1">
-                    <a:lumMod val="75000"/>
-                  </a:schemeClr>
-                </a:solidFill>
-                <a:latin typeface="微软雅黑" panose="020B0503020204020204" pitchFamily="34" charset="-122"/>
-                <a:ea typeface="微软雅黑" panose="020B0503020204020204" pitchFamily="34" charset="-122"/>
-              </a:rPr>
-              <a:t>静电贴一张（</a:t>
-            </a:r>
-            <a:r>
-              <a:rPr lang="en-US" altLang="zh-CN" sz="800" dirty="0">
-                <a:solidFill>
-                  <a:schemeClr val="bg1">
-                    <a:lumMod val="75000"/>
-                  </a:schemeClr>
-                </a:solidFill>
-                <a:latin typeface="微软雅黑" panose="020B0503020204020204" pitchFamily="34" charset="-122"/>
-                <a:ea typeface="微软雅黑" panose="020B0503020204020204" pitchFamily="34" charset="-122"/>
-              </a:rPr>
-              <a:t>150mm x 150mm</a:t>
-            </a:r>
-            <a:r>
-              <a:rPr lang="zh-CN" altLang="en-US" sz="800" dirty="0">
-                <a:solidFill>
-                  <a:schemeClr val="bg1">
-                    <a:lumMod val="75000"/>
-                  </a:schemeClr>
-                </a:solidFill>
-                <a:latin typeface="微软雅黑" panose="020B0503020204020204" pitchFamily="34" charset="-122"/>
-                <a:ea typeface="微软雅黑" panose="020B0503020204020204" pitchFamily="34" charset="-122"/>
-              </a:rPr>
-              <a:t>）</a:t>
-            </a:r>
-          </a:p>
-        </p:txBody>
-      </p:sp>
-      <p:sp>
-        <p:nvSpPr>
-          <p:cNvPr id="21" name="矩形 20">
-            <a:extLst>
-              <a:ext uri="{FF2B5EF4-FFF2-40B4-BE49-F238E27FC236}">
-                <a16:creationId xmlns:a16="http://schemas.microsoft.com/office/drawing/2014/main" id="{582A5127-6D03-4AB5-851C-8E60A674A80F}"/>
-              </a:ext>
-            </a:extLst>
-          </p:cNvPr>
-          <p:cNvSpPr/>
-          <p:nvPr/>
-        </p:nvSpPr>
-        <p:spPr>
-          <a:xfrm>
-            <a:off x="942906" y="6016487"/>
-            <a:ext cx="3194125" cy="382537"/>
-          </a:xfrm>
-          <a:prstGeom prst="rect">
-            <a:avLst/>
-          </a:prstGeom>
-          <a:solidFill>
-            <a:schemeClr val="bg1"/>
-          </a:solidFill>
-          <a:ln>
-            <a:noFill/>
-          </a:ln>
-        </p:spPr>
-        <p:style>
-          <a:lnRef idx="2">
-            <a:schemeClr val="accent1">
-              <a:shade val="50000"/>
-            </a:schemeClr>
-          </a:lnRef>
-          <a:fillRef idx="1">
-            <a:schemeClr val="accent1"/>
-          </a:fillRef>
-          <a:effectRef idx="0">
-            <a:schemeClr val="accent1"/>
-          </a:effectRef>
-          <a:fontRef idx="minor">
-            <a:schemeClr val="lt1"/>
-          </a:fontRef>
-        </p:style>
-        <p:txBody>
-          <a:bodyPr rtlCol="0" anchor="ctr"/>
-          <a:lstStyle/>
-          <a:p>
-            <a:pPr algn="ctr"/>
-            <a:endParaRPr lang="zh-CN" altLang="en-US"/>
-          </a:p>
-        </p:txBody>
-      </p:sp>
-      <p:sp>
-        <p:nvSpPr>
-          <p:cNvPr id="22" name="文本框 21">
-            <a:extLst>
-              <a:ext uri="{FF2B5EF4-FFF2-40B4-BE49-F238E27FC236}">
-                <a16:creationId xmlns:a16="http://schemas.microsoft.com/office/drawing/2014/main" id="{EAD7BC33-36EA-437A-A117-AEF5E609195B}"/>
-              </a:ext>
-            </a:extLst>
-          </p:cNvPr>
-          <p:cNvSpPr txBox="1"/>
-          <p:nvPr/>
-        </p:nvSpPr>
-        <p:spPr>
-          <a:xfrm>
-            <a:off x="1048006" y="6102626"/>
-            <a:ext cx="1591704" cy="215444"/>
-          </a:xfrm>
-          <a:prstGeom prst="rect">
-            <a:avLst/>
-          </a:prstGeom>
-          <a:noFill/>
-        </p:spPr>
-        <p:txBody>
-          <a:bodyPr wrap="square" rtlCol="0">
-            <a:spAutoFit/>
-          </a:bodyPr>
-          <a:lstStyle/>
-          <a:p>
-            <a:r>
-              <a:rPr lang="zh-CN" altLang="en-US" sz="800" dirty="0">
-                <a:solidFill>
-                  <a:schemeClr val="bg1">
-                    <a:lumMod val="65000"/>
-                  </a:schemeClr>
-                </a:solidFill>
-                <a:latin typeface="微软雅黑" panose="020B0503020204020204" pitchFamily="34" charset="-122"/>
-                <a:ea typeface="微软雅黑" panose="020B0503020204020204" pitchFamily="34" charset="-122"/>
-              </a:rPr>
-              <a:t>你选择了北环方兴达油站</a:t>
-            </a:r>
-          </a:p>
-        </p:txBody>
-      </p:sp>
-      <p:sp>
-        <p:nvSpPr>
-          <p:cNvPr id="60" name="矩形: 圆角 59">
-            <a:hlinkClick r:id="rId2" action="ppaction://hlinksldjump"/>
-            <a:extLst>
-              <a:ext uri="{FF2B5EF4-FFF2-40B4-BE49-F238E27FC236}">
-                <a16:creationId xmlns:a16="http://schemas.microsoft.com/office/drawing/2014/main" id="{A33AF8AB-C296-4F71-9CE8-9B01D521A368}"/>
-              </a:ext>
-            </a:extLst>
-          </p:cNvPr>
-          <p:cNvSpPr/>
-          <p:nvPr/>
-        </p:nvSpPr>
-        <p:spPr>
-          <a:xfrm>
-            <a:off x="3116439" y="6021038"/>
-            <a:ext cx="1020592" cy="367886"/>
-          </a:xfrm>
-          <a:prstGeom prst="roundRect">
-            <a:avLst>
-              <a:gd name="adj" fmla="val 6455"/>
-            </a:avLst>
-          </a:prstGeom>
-          <a:solidFill>
-            <a:srgbClr val="09BB07"/>
-          </a:solidFill>
-          <a:ln>
-            <a:noFill/>
-          </a:ln>
-        </p:spPr>
-        <p:style>
-          <a:lnRef idx="2">
-            <a:schemeClr val="accent1">
-              <a:shade val="50000"/>
-            </a:schemeClr>
-          </a:lnRef>
-          <a:fillRef idx="1">
-            <a:schemeClr val="accent1"/>
-          </a:fillRef>
-          <a:effectRef idx="0">
-            <a:schemeClr val="accent1"/>
-          </a:effectRef>
-          <a:fontRef idx="minor">
-            <a:schemeClr val="lt1"/>
-          </a:fontRef>
-        </p:style>
-        <p:txBody>
-          <a:bodyPr rtlCol="0" anchor="ctr"/>
-          <a:lstStyle/>
-          <a:p>
-            <a:pPr algn="ctr"/>
-            <a:r>
-              <a:rPr lang="zh-CN" altLang="en-US" sz="1050" dirty="0">
-                <a:latin typeface="微软雅黑" panose="020B0503020204020204" pitchFamily="34" charset="-122"/>
-                <a:ea typeface="微软雅黑" panose="020B0503020204020204" pitchFamily="34" charset="-122"/>
-              </a:rPr>
-              <a:t>确认</a:t>
-            </a:r>
-          </a:p>
-        </p:txBody>
-      </p:sp>
-      <p:grpSp>
-        <p:nvGrpSpPr>
-          <p:cNvPr id="4" name="组合 3">
-            <a:extLst>
-              <a:ext uri="{FF2B5EF4-FFF2-40B4-BE49-F238E27FC236}">
-                <a16:creationId xmlns:a16="http://schemas.microsoft.com/office/drawing/2014/main" id="{5641295D-6D0A-4E9B-8E32-F5E4656309F7}"/>
-              </a:ext>
-            </a:extLst>
-          </p:cNvPr>
-          <p:cNvGrpSpPr/>
-          <p:nvPr/>
-        </p:nvGrpSpPr>
-        <p:grpSpPr>
-          <a:xfrm>
-            <a:off x="1257627" y="2374897"/>
-            <a:ext cx="2474012" cy="261610"/>
-            <a:chOff x="1265120" y="2570094"/>
-            <a:chExt cx="2474012" cy="261610"/>
-          </a:xfrm>
-        </p:grpSpPr>
-        <p:grpSp>
-          <p:nvGrpSpPr>
-            <p:cNvPr id="27" name="组合 26">
-              <a:extLst>
-                <a:ext uri="{FF2B5EF4-FFF2-40B4-BE49-F238E27FC236}">
-                  <a16:creationId xmlns:a16="http://schemas.microsoft.com/office/drawing/2014/main" id="{454227A9-CFCE-4963-B524-CFD318E57DBC}"/>
-                </a:ext>
-              </a:extLst>
-            </p:cNvPr>
-            <p:cNvGrpSpPr/>
-            <p:nvPr/>
-          </p:nvGrpSpPr>
-          <p:grpSpPr>
-            <a:xfrm>
-              <a:off x="1265120" y="2573941"/>
-              <a:ext cx="1157475" cy="253916"/>
-              <a:chOff x="293745" y="995506"/>
-              <a:chExt cx="1133886" cy="253916"/>
-            </a:xfrm>
-          </p:grpSpPr>
-          <p:grpSp>
-            <p:nvGrpSpPr>
-              <p:cNvPr id="28" name="组合 27">
-                <a:extLst>
-                  <a:ext uri="{FF2B5EF4-FFF2-40B4-BE49-F238E27FC236}">
-                    <a16:creationId xmlns:a16="http://schemas.microsoft.com/office/drawing/2014/main" id="{52A01351-C5FF-4A3D-8E2F-CEFF43C09646}"/>
-                  </a:ext>
-                </a:extLst>
-              </p:cNvPr>
-              <p:cNvGrpSpPr/>
-              <p:nvPr/>
-            </p:nvGrpSpPr>
-            <p:grpSpPr>
-              <a:xfrm>
-                <a:off x="293745" y="1028456"/>
-                <a:ext cx="195708" cy="195708"/>
-                <a:chOff x="293745" y="1028456"/>
-                <a:chExt cx="195708" cy="195708"/>
-              </a:xfrm>
-            </p:grpSpPr>
-            <p:sp>
-              <p:nvSpPr>
-                <p:cNvPr id="31" name="椭圆 30">
-                  <a:extLst>
-                    <a:ext uri="{FF2B5EF4-FFF2-40B4-BE49-F238E27FC236}">
-                      <a16:creationId xmlns:a16="http://schemas.microsoft.com/office/drawing/2014/main" id="{B73EA5B8-653B-4D29-ACDE-DB740747D86A}"/>
-                    </a:ext>
-                  </a:extLst>
-                </p:cNvPr>
-                <p:cNvSpPr/>
-                <p:nvPr/>
-              </p:nvSpPr>
-              <p:spPr>
-                <a:xfrm>
-                  <a:off x="293745" y="1028456"/>
-                  <a:ext cx="195708" cy="195708"/>
-                </a:xfrm>
-                <a:prstGeom prst="ellipse">
-                  <a:avLst/>
-                </a:prstGeom>
-                <a:solidFill>
-                  <a:srgbClr val="09BB07"/>
-                </a:solidFill>
-                <a:ln>
-                  <a:noFill/>
-                </a:ln>
-              </p:spPr>
-              <p:style>
-                <a:lnRef idx="2">
-                  <a:schemeClr val="accent1">
-                    <a:shade val="50000"/>
-                  </a:schemeClr>
-                </a:lnRef>
-                <a:fillRef idx="1">
-                  <a:schemeClr val="accent1"/>
-                </a:fillRef>
-                <a:effectRef idx="0">
-                  <a:schemeClr val="accent1"/>
-                </a:effectRef>
-                <a:fontRef idx="minor">
-                  <a:schemeClr val="lt1"/>
-                </a:fontRef>
-              </p:style>
-              <p:txBody>
-                <a:bodyPr rtlCol="0" anchor="ctr"/>
-                <a:lstStyle/>
-                <a:p>
-                  <a:pPr algn="l">
-                    <a:lnSpc>
-                      <a:spcPct val="150000"/>
-                    </a:lnSpc>
-                  </a:pPr>
-                  <a:endParaRPr lang="zh-CN" altLang="en-US" sz="1000" dirty="0">
-                    <a:solidFill>
-                      <a:schemeClr val="tx1"/>
-                    </a:solidFill>
-                    <a:latin typeface="微软雅黑" panose="020B0503020204020204" pitchFamily="34" charset="-122"/>
-                    <a:ea typeface="微软雅黑" panose="020B0503020204020204" pitchFamily="34" charset="-122"/>
-                  </a:endParaRPr>
-                </a:p>
-              </p:txBody>
-            </p:sp>
-            <p:pic>
-              <p:nvPicPr>
-                <p:cNvPr id="36" name="图片 35">
-                  <a:extLst>
-                    <a:ext uri="{FF2B5EF4-FFF2-40B4-BE49-F238E27FC236}">
-                      <a16:creationId xmlns:a16="http://schemas.microsoft.com/office/drawing/2014/main" id="{EF76F31E-6079-4D79-9625-739C0E468C41}"/>
-                    </a:ext>
-                  </a:extLst>
-                </p:cNvPr>
-                <p:cNvPicPr>
-                  <a:picLocks noChangeAspect="1"/>
-                </p:cNvPicPr>
-                <p:nvPr/>
-              </p:nvPicPr>
-              <p:blipFill rotWithShape="1">
-                <a:blip r:embed="rId3">
-                  <a:biLevel thresh="25000"/>
-                  <a:extLst>
-                    <a:ext uri="{BEBA8EAE-BF5A-486C-A8C5-ECC9F3942E4B}">
-                      <a14:imgProps xmlns:a14="http://schemas.microsoft.com/office/drawing/2010/main">
-                        <a14:imgLayer r:embed="rId4">
-                          <a14:imgEffect>
-                            <a14:backgroundRemoval t="30028" b="76089" l="47246" r="52197"/>
-                          </a14:imgEffect>
-                        </a14:imgLayer>
-                      </a14:imgProps>
-                    </a:ext>
-                  </a:extLst>
-                </a:blip>
-                <a:srcRect l="46627" t="24271" r="47184" b="18153"/>
-                <a:stretch/>
-              </p:blipFill>
-              <p:spPr>
-                <a:xfrm>
-                  <a:off x="325552" y="1061785"/>
-                  <a:ext cx="120433" cy="124896"/>
-                </a:xfrm>
-                <a:prstGeom prst="rect">
-                  <a:avLst/>
-                </a:prstGeom>
-              </p:spPr>
-            </p:pic>
-          </p:grpSp>
-          <p:sp>
-            <p:nvSpPr>
-              <p:cNvPr id="29" name="文本框 28">
-                <a:extLst>
-                  <a:ext uri="{FF2B5EF4-FFF2-40B4-BE49-F238E27FC236}">
-                    <a16:creationId xmlns:a16="http://schemas.microsoft.com/office/drawing/2014/main" id="{C416801E-60CB-4E36-8171-98B5D420FA60}"/>
-                  </a:ext>
-                </a:extLst>
-              </p:cNvPr>
-              <p:cNvSpPr txBox="1"/>
-              <p:nvPr/>
-            </p:nvSpPr>
-            <p:spPr>
-              <a:xfrm>
-                <a:off x="594732" y="995506"/>
-                <a:ext cx="832899" cy="253916"/>
-              </a:xfrm>
-              <a:prstGeom prst="rect">
-                <a:avLst/>
-              </a:prstGeom>
-              <a:noFill/>
-            </p:spPr>
-            <p:txBody>
-              <a:bodyPr wrap="square" rtlCol="0">
-                <a:spAutoFit/>
-              </a:bodyPr>
-              <a:lstStyle/>
-              <a:p>
-                <a:pPr algn="l"/>
-                <a:r>
-                  <a:rPr lang="zh-CN" altLang="en-US" sz="1050" dirty="0">
-                    <a:latin typeface="微软雅黑" panose="020B0503020204020204" pitchFamily="34" charset="-122"/>
-                    <a:ea typeface="微软雅黑" panose="020B0503020204020204" pitchFamily="34" charset="-122"/>
-                  </a:rPr>
-                  <a:t>油站领取</a:t>
-                </a:r>
-              </a:p>
-            </p:txBody>
-          </p:sp>
-        </p:grpSp>
-        <p:grpSp>
-          <p:nvGrpSpPr>
-            <p:cNvPr id="37" name="组合 36">
-              <a:extLst>
-                <a:ext uri="{FF2B5EF4-FFF2-40B4-BE49-F238E27FC236}">
-                  <a16:creationId xmlns:a16="http://schemas.microsoft.com/office/drawing/2014/main" id="{C8C934E8-E31D-40CA-8DE1-483D80F7221D}"/>
-                </a:ext>
-              </a:extLst>
-            </p:cNvPr>
-            <p:cNvGrpSpPr/>
-            <p:nvPr/>
-          </p:nvGrpSpPr>
-          <p:grpSpPr>
-            <a:xfrm>
-              <a:off x="2530575" y="2570094"/>
-              <a:ext cx="1208557" cy="261610"/>
-              <a:chOff x="293745" y="1515976"/>
-              <a:chExt cx="1208557" cy="261610"/>
-            </a:xfrm>
-          </p:grpSpPr>
-          <p:sp>
-            <p:nvSpPr>
-              <p:cNvPr id="57" name="椭圆 56">
-                <a:extLst>
-                  <a:ext uri="{FF2B5EF4-FFF2-40B4-BE49-F238E27FC236}">
-                    <a16:creationId xmlns:a16="http://schemas.microsoft.com/office/drawing/2014/main" id="{50BEEB01-6337-40CE-A72D-BA052D86997F}"/>
-                  </a:ext>
-                </a:extLst>
-              </p:cNvPr>
-              <p:cNvSpPr/>
-              <p:nvPr/>
-            </p:nvSpPr>
-            <p:spPr>
-              <a:xfrm>
-                <a:off x="293745" y="1549567"/>
-                <a:ext cx="195708" cy="195708"/>
-              </a:xfrm>
-              <a:prstGeom prst="ellipse">
-                <a:avLst/>
-              </a:prstGeom>
-              <a:noFill/>
-              <a:ln>
-                <a:solidFill>
-                  <a:srgbClr val="CACACA"/>
-                </a:solidFill>
-              </a:ln>
-            </p:spPr>
-            <p:style>
-              <a:lnRef idx="2">
-                <a:schemeClr val="accent1">
-                  <a:shade val="50000"/>
-                </a:schemeClr>
-              </a:lnRef>
-              <a:fillRef idx="1">
-                <a:schemeClr val="accent1"/>
-              </a:fillRef>
-              <a:effectRef idx="0">
-                <a:schemeClr val="accent1"/>
-              </a:effectRef>
-              <a:fontRef idx="minor">
-                <a:schemeClr val="lt1"/>
-              </a:fontRef>
-            </p:style>
-            <p:txBody>
-              <a:bodyPr rtlCol="0" anchor="ctr"/>
-              <a:lstStyle/>
-              <a:p>
-                <a:pPr algn="l">
-                  <a:lnSpc>
-                    <a:spcPct val="150000"/>
-                  </a:lnSpc>
-                </a:pPr>
-                <a:endParaRPr lang="zh-CN" altLang="en-US" sz="1000" dirty="0">
-                  <a:solidFill>
-                    <a:schemeClr val="tx1"/>
-                  </a:solidFill>
-                  <a:latin typeface="微软雅黑" panose="020B0503020204020204" pitchFamily="34" charset="-122"/>
-                  <a:ea typeface="微软雅黑" panose="020B0503020204020204" pitchFamily="34" charset="-122"/>
-                </a:endParaRPr>
-              </a:p>
-            </p:txBody>
-          </p:sp>
-          <p:sp>
-            <p:nvSpPr>
-              <p:cNvPr id="51" name="文本框 50">
-                <a:extLst>
-                  <a:ext uri="{FF2B5EF4-FFF2-40B4-BE49-F238E27FC236}">
-                    <a16:creationId xmlns:a16="http://schemas.microsoft.com/office/drawing/2014/main" id="{6459D79E-94B0-4DE1-AB5D-F9CB0DF5EE69}"/>
-                  </a:ext>
-                </a:extLst>
-              </p:cNvPr>
-              <p:cNvSpPr txBox="1"/>
-              <p:nvPr/>
-            </p:nvSpPr>
-            <p:spPr>
-              <a:xfrm>
-                <a:off x="650489" y="1515976"/>
-                <a:ext cx="851813" cy="261610"/>
-              </a:xfrm>
-              <a:prstGeom prst="rect">
-                <a:avLst/>
-              </a:prstGeom>
-              <a:noFill/>
-            </p:spPr>
-            <p:txBody>
-              <a:bodyPr wrap="square" rtlCol="0">
-                <a:spAutoFit/>
-              </a:bodyPr>
-              <a:lstStyle/>
-              <a:p>
-                <a:pPr algn="l"/>
-                <a:r>
-                  <a:rPr lang="zh-CN" altLang="en-US" sz="1050" dirty="0">
-                    <a:latin typeface="微软雅黑" panose="020B0503020204020204" pitchFamily="34" charset="-122"/>
-                    <a:ea typeface="微软雅黑" panose="020B0503020204020204" pitchFamily="34" charset="-122"/>
-                  </a:rPr>
-                  <a:t>自寄地址</a:t>
-                </a:r>
-              </a:p>
-            </p:txBody>
-          </p:sp>
-        </p:grpSp>
-      </p:grpSp>
-      <p:pic>
-        <p:nvPicPr>
-          <p:cNvPr id="7" name="图片 6">
-            <a:extLst>
-              <a:ext uri="{FF2B5EF4-FFF2-40B4-BE49-F238E27FC236}">
-                <a16:creationId xmlns:a16="http://schemas.microsoft.com/office/drawing/2014/main" id="{77BE35E7-C431-4905-893F-F7FAE3BEF392}"/>
-              </a:ext>
-            </a:extLst>
-          </p:cNvPr>
-          <p:cNvPicPr>
-            <a:picLocks noChangeAspect="1"/>
-          </p:cNvPicPr>
-          <p:nvPr/>
-        </p:nvPicPr>
-        <p:blipFill rotWithShape="1">
-          <a:blip r:embed="rId5">
-            <a:extLst>
-              <a:ext uri="{28A0092B-C50C-407E-A947-70E740481C1C}">
-                <a14:useLocalDpi xmlns:a14="http://schemas.microsoft.com/office/drawing/2010/main" val="0"/>
-              </a:ext>
-            </a:extLst>
-          </a:blip>
-          <a:srcRect t="14704" b="36231"/>
-          <a:stretch/>
-        </p:blipFill>
-        <p:spPr>
-          <a:xfrm>
-            <a:off x="920850" y="2632660"/>
-            <a:ext cx="3171178" cy="3198296"/>
-          </a:xfrm>
-          <a:prstGeom prst="rect">
-            <a:avLst/>
-          </a:prstGeom>
-        </p:spPr>
-      </p:pic>
-      <p:sp>
-        <p:nvSpPr>
-          <p:cNvPr id="8" name="椭圆 7">
-            <a:extLst>
-              <a:ext uri="{FF2B5EF4-FFF2-40B4-BE49-F238E27FC236}">
-                <a16:creationId xmlns:a16="http://schemas.microsoft.com/office/drawing/2014/main" id="{33B05E48-D2B8-45A8-BEBE-1541C4C219A6}"/>
-              </a:ext>
-            </a:extLst>
-          </p:cNvPr>
-          <p:cNvSpPr/>
-          <p:nvPr/>
-        </p:nvSpPr>
-        <p:spPr>
-          <a:xfrm>
-            <a:off x="2944161" y="4552503"/>
-            <a:ext cx="281107" cy="281107"/>
-          </a:xfrm>
-          <a:prstGeom prst="ellipse">
-            <a:avLst/>
-          </a:prstGeom>
-          <a:solidFill>
-            <a:schemeClr val="bg1">
-              <a:alpha val="0"/>
-            </a:schemeClr>
-          </a:solidFill>
-          <a:ln>
-            <a:noFill/>
-          </a:ln>
-        </p:spPr>
-        <p:style>
-          <a:lnRef idx="2">
-            <a:schemeClr val="accent1">
-              <a:shade val="50000"/>
-            </a:schemeClr>
-          </a:lnRef>
-          <a:fillRef idx="1">
-            <a:schemeClr val="accent1"/>
-          </a:fillRef>
-          <a:effectRef idx="0">
-            <a:schemeClr val="accent1"/>
-          </a:effectRef>
-          <a:fontRef idx="minor">
-            <a:schemeClr val="lt1"/>
-          </a:fontRef>
-        </p:style>
-        <p:txBody>
-          <a:bodyPr rtlCol="0" anchor="ctr"/>
-          <a:lstStyle/>
-          <a:p>
-            <a:pPr algn="ctr"/>
-            <a:endParaRPr lang="zh-CN" altLang="en-US" dirty="0"/>
-          </a:p>
-        </p:txBody>
-      </p:sp>
-      <p:sp>
-        <p:nvSpPr>
-          <p:cNvPr id="30" name="文本框 29">
-            <a:hlinkClick r:id="rId6" action="ppaction://hlinksldjump"/>
-            <a:extLst>
-              <a:ext uri="{FF2B5EF4-FFF2-40B4-BE49-F238E27FC236}">
-                <a16:creationId xmlns:a16="http://schemas.microsoft.com/office/drawing/2014/main" id="{9BB5944B-8761-4A59-9610-8C2A479DD035}"/>
-              </a:ext>
-            </a:extLst>
-          </p:cNvPr>
-          <p:cNvSpPr txBox="1"/>
-          <p:nvPr/>
-        </p:nvSpPr>
-        <p:spPr>
-          <a:xfrm>
-            <a:off x="3324700" y="3807511"/>
-            <a:ext cx="724619" cy="241105"/>
-          </a:xfrm>
-          <a:prstGeom prst="rect">
-            <a:avLst/>
-          </a:prstGeom>
-          <a:noFill/>
-        </p:spPr>
-        <p:txBody>
-          <a:bodyPr wrap="square" rtlCol="0">
-            <a:spAutoFit/>
-          </a:bodyPr>
-          <a:lstStyle/>
-          <a:p>
-            <a:pPr algn="ctr"/>
-            <a:r>
-              <a:rPr lang="zh-CN" altLang="en-US" sz="1000" dirty="0">
-                <a:solidFill>
-                  <a:srgbClr val="09BB07"/>
-                </a:solidFill>
-                <a:latin typeface="微软雅黑" panose="020B0503020204020204" pitchFamily="34" charset="-122"/>
-                <a:ea typeface="微软雅黑" panose="020B0503020204020204" pitchFamily="34" charset="-122"/>
-              </a:rPr>
-              <a:t>确定</a:t>
-            </a:r>
-          </a:p>
-        </p:txBody>
-      </p:sp>
-      <p:sp>
-        <p:nvSpPr>
-          <p:cNvPr id="32" name="文本框 31">
-            <a:extLst>
-              <a:ext uri="{FF2B5EF4-FFF2-40B4-BE49-F238E27FC236}">
-                <a16:creationId xmlns:a16="http://schemas.microsoft.com/office/drawing/2014/main" id="{FE2490BD-98F0-4517-9839-E2DFE0959F3E}"/>
-              </a:ext>
-            </a:extLst>
-          </p:cNvPr>
-          <p:cNvSpPr txBox="1"/>
-          <p:nvPr/>
-        </p:nvSpPr>
-        <p:spPr>
-          <a:xfrm>
-            <a:off x="998717" y="3803192"/>
-            <a:ext cx="724619" cy="233798"/>
-          </a:xfrm>
-          <a:prstGeom prst="rect">
-            <a:avLst/>
-          </a:prstGeom>
-          <a:noFill/>
-        </p:spPr>
-        <p:txBody>
-          <a:bodyPr wrap="square" rtlCol="0">
-            <a:spAutoFit/>
-          </a:bodyPr>
-          <a:lstStyle/>
-          <a:p>
-            <a:pPr algn="ctr"/>
-            <a:r>
-              <a:rPr lang="zh-CN" altLang="en-US" sz="1000" dirty="0">
-                <a:solidFill>
-                  <a:schemeClr val="bg1">
-                    <a:lumMod val="75000"/>
-                  </a:schemeClr>
-                </a:solidFill>
-                <a:latin typeface="微软雅黑" panose="020B0503020204020204" pitchFamily="34" charset="-122"/>
-                <a:ea typeface="微软雅黑" panose="020B0503020204020204" pitchFamily="34" charset="-122"/>
-              </a:rPr>
-              <a:t>取消</a:t>
-            </a:r>
-          </a:p>
-        </p:txBody>
-      </p:sp>
-      <p:sp>
-        <p:nvSpPr>
-          <p:cNvPr id="33" name="椭圆 32">
-            <a:extLst>
-              <a:ext uri="{FF2B5EF4-FFF2-40B4-BE49-F238E27FC236}">
-                <a16:creationId xmlns:a16="http://schemas.microsoft.com/office/drawing/2014/main" id="{3A3619D5-9D77-46A5-B426-880A810F5A59}"/>
-              </a:ext>
-            </a:extLst>
-          </p:cNvPr>
-          <p:cNvSpPr/>
-          <p:nvPr/>
-        </p:nvSpPr>
-        <p:spPr>
-          <a:xfrm>
-            <a:off x="2932010" y="4548642"/>
-            <a:ext cx="281107" cy="281107"/>
-          </a:xfrm>
-          <a:prstGeom prst="ellipse">
-            <a:avLst/>
-          </a:prstGeom>
-          <a:solidFill>
-            <a:schemeClr val="bg1">
-              <a:alpha val="0"/>
-            </a:schemeClr>
-          </a:solidFill>
-          <a:ln>
-            <a:solidFill>
-              <a:srgbClr val="C00000"/>
-            </a:solidFill>
-          </a:ln>
-          <a:effectLst>
-            <a:glow rad="228600">
-              <a:schemeClr val="accent2">
-                <a:satMod val="175000"/>
-                <a:alpha val="40000"/>
-              </a:schemeClr>
-            </a:glow>
-          </a:effectLst>
-        </p:spPr>
-        <p:style>
-          <a:lnRef idx="2">
-            <a:schemeClr val="accent1">
-              <a:shade val="50000"/>
-            </a:schemeClr>
-          </a:lnRef>
-          <a:fillRef idx="1">
-            <a:schemeClr val="accent1"/>
-          </a:fillRef>
-          <a:effectRef idx="0">
-            <a:schemeClr val="accent1"/>
-          </a:effectRef>
-          <a:fontRef idx="minor">
-            <a:schemeClr val="lt1"/>
-          </a:fontRef>
-        </p:style>
-        <p:txBody>
-          <a:bodyPr rtlCol="0" anchor="ctr"/>
-          <a:lstStyle/>
-          <a:p>
-            <a:pPr algn="ctr"/>
-            <a:endParaRPr lang="zh-CN" altLang="en-US" dirty="0"/>
-          </a:p>
-        </p:txBody>
-      </p:sp>
-      <p:sp>
-        <p:nvSpPr>
-          <p:cNvPr id="34" name="文本框 33">
-            <a:hlinkClick r:id="rId7" action="ppaction://hlinksldjump"/>
-            <a:extLst>
-              <a:ext uri="{FF2B5EF4-FFF2-40B4-BE49-F238E27FC236}">
-                <a16:creationId xmlns:a16="http://schemas.microsoft.com/office/drawing/2014/main" id="{98E6562B-3658-4622-BD55-7C13A23442A7}"/>
-              </a:ext>
-            </a:extLst>
-          </p:cNvPr>
-          <p:cNvSpPr txBox="1"/>
-          <p:nvPr/>
-        </p:nvSpPr>
-        <p:spPr>
-          <a:xfrm>
-            <a:off x="3008713" y="5786712"/>
-            <a:ext cx="1081785" cy="246221"/>
-          </a:xfrm>
-          <a:prstGeom prst="rect">
-            <a:avLst/>
-          </a:prstGeom>
-          <a:noFill/>
-        </p:spPr>
-        <p:txBody>
-          <a:bodyPr wrap="square" rtlCol="0">
-            <a:spAutoFit/>
-          </a:bodyPr>
-          <a:lstStyle/>
-          <a:p>
-            <a:pPr algn="r"/>
-            <a:r>
-              <a:rPr lang="zh-CN" altLang="en-US" sz="1000" dirty="0">
-                <a:solidFill>
-                  <a:schemeClr val="bg1">
-                    <a:lumMod val="65000"/>
-                  </a:schemeClr>
-                </a:solidFill>
-                <a:latin typeface="微软雅黑" panose="020B0503020204020204" pitchFamily="34" charset="-122"/>
-                <a:ea typeface="微软雅黑" panose="020B0503020204020204" pitchFamily="34" charset="-122"/>
-              </a:rPr>
-              <a:t>在列表中选择</a:t>
-            </a:r>
-          </a:p>
-        </p:txBody>
-      </p:sp>
-    </p:spTree>
-    <p:extLst>
-      <p:ext uri="{BB962C8B-B14F-4D97-AF65-F5344CB8AC3E}">
-        <p14:creationId xmlns:p14="http://schemas.microsoft.com/office/powerpoint/2010/main" val="3939652935"/>
-      </p:ext>
-    </p:extLst>
-  </p:cSld>
-  <p:clrMapOvr>
-    <a:masterClrMapping/>
-  </p:clrMapOvr>
-</p:sld>
-</file>
-
 <file path=ppt/slides/slide5.xml><?xml version="1.0" encoding="utf-8"?>
 <p:sld xmlns:a="http://schemas.openxmlformats.org/drawingml/2006/main" xmlns:r="http://schemas.openxmlformats.org/officeDocument/2006/relationships" xmlns:p="http://schemas.openxmlformats.org/presentationml/2006/main">
   <p:cSld>
